--- a/HomeLoanAnalytics/HomeLoanAnalytics.pptx
+++ b/HomeLoanAnalytics/HomeLoanAnalytics.pptx
@@ -2,10 +2,10 @@
 <file path=ppt/presentation.xml><?xml version="1.0" encoding="utf-8"?>
 <p:presentation xmlns:a="http://schemas.openxmlformats.org/drawingml/2006/main" xmlns:r="http://schemas.openxmlformats.org/officeDocument/2006/relationships" xmlns:p="http://schemas.openxmlformats.org/presentationml/2006/main" saveSubsetFonts="1">
   <p:sldMasterIdLst>
-    <p:sldMasterId id="2147483678" r:id="rId1"/>
+    <p:sldMasterId id="2147483708" r:id="rId1"/>
   </p:sldMasterIdLst>
   <p:notesMasterIdLst>
-    <p:notesMasterId r:id="rId24"/>
+    <p:notesMasterId r:id="rId25"/>
   </p:notesMasterIdLst>
   <p:sldIdLst>
     <p:sldId id="256" r:id="rId2"/>
@@ -27,9 +27,10 @@
     <p:sldId id="286" r:id="rId18"/>
     <p:sldId id="287" r:id="rId19"/>
     <p:sldId id="271" r:id="rId20"/>
-    <p:sldId id="276" r:id="rId21"/>
-    <p:sldId id="275" r:id="rId22"/>
-    <p:sldId id="277" r:id="rId23"/>
+    <p:sldId id="288" r:id="rId21"/>
+    <p:sldId id="276" r:id="rId22"/>
+    <p:sldId id="275" r:id="rId23"/>
+    <p:sldId id="277" r:id="rId24"/>
   </p:sldIdLst>
   <p:sldSz cx="12192000" cy="6858000"/>
   <p:notesSz cx="6858000" cy="9144000"/>
@@ -37,7 +38,7 @@
     <a:defPPr>
       <a:defRPr lang="en-US"/>
     </a:defPPr>
-    <a:lvl1pPr marL="0" algn="l" defTabSz="914400" rtl="0" eaLnBrk="1" latinLnBrk="0" hangingPunct="1">
+    <a:lvl1pPr marL="0" algn="l" defTabSz="457200" rtl="0" eaLnBrk="1" latinLnBrk="0" hangingPunct="1">
       <a:defRPr sz="1800" kern="1200">
         <a:solidFill>
           <a:schemeClr val="tx1"/>
@@ -47,7 +48,7 @@
         <a:cs typeface="+mn-cs"/>
       </a:defRPr>
     </a:lvl1pPr>
-    <a:lvl2pPr marL="457200" algn="l" defTabSz="914400" rtl="0" eaLnBrk="1" latinLnBrk="0" hangingPunct="1">
+    <a:lvl2pPr marL="457200" algn="l" defTabSz="457200" rtl="0" eaLnBrk="1" latinLnBrk="0" hangingPunct="1">
       <a:defRPr sz="1800" kern="1200">
         <a:solidFill>
           <a:schemeClr val="tx1"/>
@@ -57,7 +58,7 @@
         <a:cs typeface="+mn-cs"/>
       </a:defRPr>
     </a:lvl2pPr>
-    <a:lvl3pPr marL="914400" algn="l" defTabSz="914400" rtl="0" eaLnBrk="1" latinLnBrk="0" hangingPunct="1">
+    <a:lvl3pPr marL="914400" algn="l" defTabSz="457200" rtl="0" eaLnBrk="1" latinLnBrk="0" hangingPunct="1">
       <a:defRPr sz="1800" kern="1200">
         <a:solidFill>
           <a:schemeClr val="tx1"/>
@@ -67,7 +68,7 @@
         <a:cs typeface="+mn-cs"/>
       </a:defRPr>
     </a:lvl3pPr>
-    <a:lvl4pPr marL="1371600" algn="l" defTabSz="914400" rtl="0" eaLnBrk="1" latinLnBrk="0" hangingPunct="1">
+    <a:lvl4pPr marL="1371600" algn="l" defTabSz="457200" rtl="0" eaLnBrk="1" latinLnBrk="0" hangingPunct="1">
       <a:defRPr sz="1800" kern="1200">
         <a:solidFill>
           <a:schemeClr val="tx1"/>
@@ -77,7 +78,7 @@
         <a:cs typeface="+mn-cs"/>
       </a:defRPr>
     </a:lvl4pPr>
-    <a:lvl5pPr marL="1828800" algn="l" defTabSz="914400" rtl="0" eaLnBrk="1" latinLnBrk="0" hangingPunct="1">
+    <a:lvl5pPr marL="1828800" algn="l" defTabSz="457200" rtl="0" eaLnBrk="1" latinLnBrk="0" hangingPunct="1">
       <a:defRPr sz="1800" kern="1200">
         <a:solidFill>
           <a:schemeClr val="tx1"/>
@@ -87,7 +88,7 @@
         <a:cs typeface="+mn-cs"/>
       </a:defRPr>
     </a:lvl5pPr>
-    <a:lvl6pPr marL="2286000" algn="l" defTabSz="914400" rtl="0" eaLnBrk="1" latinLnBrk="0" hangingPunct="1">
+    <a:lvl6pPr marL="2286000" algn="l" defTabSz="457200" rtl="0" eaLnBrk="1" latinLnBrk="0" hangingPunct="1">
       <a:defRPr sz="1800" kern="1200">
         <a:solidFill>
           <a:schemeClr val="tx1"/>
@@ -97,7 +98,7 @@
         <a:cs typeface="+mn-cs"/>
       </a:defRPr>
     </a:lvl6pPr>
-    <a:lvl7pPr marL="2743200" algn="l" defTabSz="914400" rtl="0" eaLnBrk="1" latinLnBrk="0" hangingPunct="1">
+    <a:lvl7pPr marL="2743200" algn="l" defTabSz="457200" rtl="0" eaLnBrk="1" latinLnBrk="0" hangingPunct="1">
       <a:defRPr sz="1800" kern="1200">
         <a:solidFill>
           <a:schemeClr val="tx1"/>
@@ -107,7 +108,7 @@
         <a:cs typeface="+mn-cs"/>
       </a:defRPr>
     </a:lvl7pPr>
-    <a:lvl8pPr marL="3200400" algn="l" defTabSz="914400" rtl="0" eaLnBrk="1" latinLnBrk="0" hangingPunct="1">
+    <a:lvl8pPr marL="3200400" algn="l" defTabSz="457200" rtl="0" eaLnBrk="1" latinLnBrk="0" hangingPunct="1">
       <a:defRPr sz="1800" kern="1200">
         <a:solidFill>
           <a:schemeClr val="tx1"/>
@@ -117,7 +118,7 @@
         <a:cs typeface="+mn-cs"/>
       </a:defRPr>
     </a:lvl8pPr>
-    <a:lvl9pPr marL="3657600" algn="l" defTabSz="914400" rtl="0" eaLnBrk="1" latinLnBrk="0" hangingPunct="1">
+    <a:lvl9pPr marL="3657600" algn="l" defTabSz="457200" rtl="0" eaLnBrk="1" latinLnBrk="0" hangingPunct="1">
       <a:defRPr sz="1800" kern="1200">
         <a:solidFill>
           <a:schemeClr val="tx1"/>
@@ -2168,8 +2169,8 @@
       </dsp:nvSpPr>
       <dsp:spPr>
         <a:xfrm>
-          <a:off x="0" y="6826"/>
-          <a:ext cx="10515600" cy="791505"/>
+          <a:off x="0" y="32370"/>
+          <a:ext cx="9601200" cy="638819"/>
         </a:xfrm>
         <a:prstGeom prst="roundRect">
           <a:avLst/>
@@ -2182,7 +2183,7 @@
             <a:alphaOff val="0"/>
           </a:schemeClr>
         </a:solidFill>
-        <a:ln w="12700" cap="flat" cmpd="sng" algn="ctr">
+        <a:ln w="34925" cap="flat" cmpd="sng" algn="in">
           <a:solidFill>
             <a:schemeClr val="lt1">
               <a:hueOff val="0"/>
@@ -2192,7 +2193,6 @@
             </a:schemeClr>
           </a:solidFill>
           <a:prstDash val="solid"/>
-          <a:miter lim="800000"/>
         </a:ln>
         <a:effectLst/>
       </dsp:spPr>
@@ -2211,12 +2211,12 @@
         </a:fontRef>
       </dsp:style>
       <dsp:txBody>
-        <a:bodyPr spcFirstLastPara="0" vert="horz" wrap="square" lIns="125730" tIns="125730" rIns="125730" bIns="125730" numCol="1" spcCol="1270" anchor="ctr" anchorCtr="0">
+        <a:bodyPr spcFirstLastPara="0" vert="horz" wrap="square" lIns="106680" tIns="106680" rIns="106680" bIns="106680" numCol="1" spcCol="1270" anchor="ctr" anchorCtr="0">
           <a:noAutofit/>
         </a:bodyPr>
         <a:lstStyle/>
         <a:p>
-          <a:pPr marL="0" lvl="0" indent="0" algn="l" defTabSz="1466850" rtl="0">
+          <a:pPr marL="0" lvl="0" indent="0" algn="l" defTabSz="1244600" rtl="0">
             <a:lnSpc>
               <a:spcPct val="90000"/>
             </a:lnSpc>
@@ -2229,15 +2229,15 @@
             <a:buNone/>
           </a:pPr>
           <a:r>
-            <a:rPr lang="en-US" sz="3300" kern="1200"/>
+            <a:rPr lang="en-US" sz="2800" kern="1200"/>
             <a:t>Business Objectives</a:t>
           </a:r>
-          <a:endParaRPr lang="en-IN" sz="3300" kern="1200"/>
+          <a:endParaRPr lang="en-IN" sz="2800" kern="1200"/>
         </a:p>
       </dsp:txBody>
       <dsp:txXfrm>
-        <a:off x="38638" y="45464"/>
-        <a:ext cx="10438324" cy="714229"/>
+        <a:off x="31185" y="63555"/>
+        <a:ext cx="9538830" cy="576449"/>
       </dsp:txXfrm>
     </dsp:sp>
     <dsp:sp modelId="{398A6D98-81E9-42D6-9187-3D6E401B0291}">
@@ -2247,8 +2247,8 @@
       </dsp:nvSpPr>
       <dsp:spPr>
         <a:xfrm>
-          <a:off x="0" y="893371"/>
-          <a:ext cx="10515600" cy="791505"/>
+          <a:off x="0" y="751830"/>
+          <a:ext cx="9601200" cy="638819"/>
         </a:xfrm>
         <a:prstGeom prst="roundRect">
           <a:avLst/>
@@ -2261,7 +2261,7 @@
             <a:alphaOff val="0"/>
           </a:schemeClr>
         </a:solidFill>
-        <a:ln w="12700" cap="flat" cmpd="sng" algn="ctr">
+        <a:ln w="34925" cap="flat" cmpd="sng" algn="in">
           <a:solidFill>
             <a:schemeClr val="lt1">
               <a:hueOff val="0"/>
@@ -2271,7 +2271,6 @@
             </a:schemeClr>
           </a:solidFill>
           <a:prstDash val="solid"/>
-          <a:miter lim="800000"/>
         </a:ln>
         <a:effectLst/>
       </dsp:spPr>
@@ -2290,12 +2289,12 @@
         </a:fontRef>
       </dsp:style>
       <dsp:txBody>
-        <a:bodyPr spcFirstLastPara="0" vert="horz" wrap="square" lIns="125730" tIns="125730" rIns="125730" bIns="125730" numCol="1" spcCol="1270" anchor="ctr" anchorCtr="0">
+        <a:bodyPr spcFirstLastPara="0" vert="horz" wrap="square" lIns="106680" tIns="106680" rIns="106680" bIns="106680" numCol="1" spcCol="1270" anchor="ctr" anchorCtr="0">
           <a:noAutofit/>
         </a:bodyPr>
         <a:lstStyle/>
         <a:p>
-          <a:pPr marL="0" lvl="0" indent="0" algn="l" defTabSz="1466850" rtl="0">
+          <a:pPr marL="0" lvl="0" indent="0" algn="l" defTabSz="1244600" rtl="0">
             <a:lnSpc>
               <a:spcPct val="90000"/>
             </a:lnSpc>
@@ -2308,15 +2307,15 @@
             <a:buNone/>
           </a:pPr>
           <a:r>
-            <a:rPr lang="en-US" sz="3300" kern="1200"/>
+            <a:rPr lang="en-US" sz="2800" kern="1200"/>
             <a:t>Data Preparation</a:t>
           </a:r>
-          <a:endParaRPr lang="en-IN" sz="3300" kern="1200"/>
+          <a:endParaRPr lang="en-IN" sz="2800" kern="1200"/>
         </a:p>
       </dsp:txBody>
       <dsp:txXfrm>
-        <a:off x="38638" y="932009"/>
-        <a:ext cx="10438324" cy="714229"/>
+        <a:off x="31185" y="783015"/>
+        <a:ext cx="9538830" cy="576449"/>
       </dsp:txXfrm>
     </dsp:sp>
     <dsp:sp modelId="{441704ED-ABF6-4C3F-9574-EBA35D0595CE}">
@@ -2326,8 +2325,8 @@
       </dsp:nvSpPr>
       <dsp:spPr>
         <a:xfrm>
-          <a:off x="0" y="1779916"/>
-          <a:ext cx="10515600" cy="791505"/>
+          <a:off x="0" y="1471290"/>
+          <a:ext cx="9601200" cy="638819"/>
         </a:xfrm>
         <a:prstGeom prst="roundRect">
           <a:avLst/>
@@ -2340,7 +2339,7 @@
             <a:alphaOff val="0"/>
           </a:schemeClr>
         </a:solidFill>
-        <a:ln w="12700" cap="flat" cmpd="sng" algn="ctr">
+        <a:ln w="34925" cap="flat" cmpd="sng" algn="in">
           <a:solidFill>
             <a:schemeClr val="lt1">
               <a:hueOff val="0"/>
@@ -2350,7 +2349,6 @@
             </a:schemeClr>
           </a:solidFill>
           <a:prstDash val="solid"/>
-          <a:miter lim="800000"/>
         </a:ln>
         <a:effectLst/>
       </dsp:spPr>
@@ -2369,12 +2367,12 @@
         </a:fontRef>
       </dsp:style>
       <dsp:txBody>
-        <a:bodyPr spcFirstLastPara="0" vert="horz" wrap="square" lIns="125730" tIns="125730" rIns="125730" bIns="125730" numCol="1" spcCol="1270" anchor="ctr" anchorCtr="0">
+        <a:bodyPr spcFirstLastPara="0" vert="horz" wrap="square" lIns="106680" tIns="106680" rIns="106680" bIns="106680" numCol="1" spcCol="1270" anchor="ctr" anchorCtr="0">
           <a:noAutofit/>
         </a:bodyPr>
         <a:lstStyle/>
         <a:p>
-          <a:pPr marL="0" lvl="0" indent="0" algn="l" defTabSz="1466850" rtl="0">
+          <a:pPr marL="0" lvl="0" indent="0" algn="l" defTabSz="1244600" rtl="0">
             <a:lnSpc>
               <a:spcPct val="90000"/>
             </a:lnSpc>
@@ -2387,15 +2385,15 @@
             <a:buNone/>
           </a:pPr>
           <a:r>
-            <a:rPr lang="en-US" sz="3300" kern="1200"/>
+            <a:rPr lang="en-US" sz="2800" kern="1200"/>
             <a:t>Analysis</a:t>
           </a:r>
-          <a:endParaRPr lang="en-IN" sz="3300" kern="1200"/>
+          <a:endParaRPr lang="en-IN" sz="2800" kern="1200"/>
         </a:p>
       </dsp:txBody>
       <dsp:txXfrm>
-        <a:off x="38638" y="1818554"/>
-        <a:ext cx="10438324" cy="714229"/>
+        <a:off x="31185" y="1502475"/>
+        <a:ext cx="9538830" cy="576449"/>
       </dsp:txXfrm>
     </dsp:sp>
     <dsp:sp modelId="{316449D9-1B42-4CA7-94A8-B8F7DF0035F3}">
@@ -2405,8 +2403,8 @@
       </dsp:nvSpPr>
       <dsp:spPr>
         <a:xfrm>
-          <a:off x="0" y="2666461"/>
-          <a:ext cx="10515600" cy="791505"/>
+          <a:off x="0" y="2190750"/>
+          <a:ext cx="9601200" cy="638819"/>
         </a:xfrm>
         <a:prstGeom prst="roundRect">
           <a:avLst/>
@@ -2419,7 +2417,7 @@
             <a:alphaOff val="0"/>
           </a:schemeClr>
         </a:solidFill>
-        <a:ln w="12700" cap="flat" cmpd="sng" algn="ctr">
+        <a:ln w="34925" cap="flat" cmpd="sng" algn="in">
           <a:solidFill>
             <a:schemeClr val="lt1">
               <a:hueOff val="0"/>
@@ -2429,7 +2427,6 @@
             </a:schemeClr>
           </a:solidFill>
           <a:prstDash val="solid"/>
-          <a:miter lim="800000"/>
         </a:ln>
         <a:effectLst/>
       </dsp:spPr>
@@ -2448,12 +2445,12 @@
         </a:fontRef>
       </dsp:style>
       <dsp:txBody>
-        <a:bodyPr spcFirstLastPara="0" vert="horz" wrap="square" lIns="125730" tIns="125730" rIns="125730" bIns="125730" numCol="1" spcCol="1270" anchor="ctr" anchorCtr="0">
+        <a:bodyPr spcFirstLastPara="0" vert="horz" wrap="square" lIns="106680" tIns="106680" rIns="106680" bIns="106680" numCol="1" spcCol="1270" anchor="ctr" anchorCtr="0">
           <a:noAutofit/>
         </a:bodyPr>
         <a:lstStyle/>
         <a:p>
-          <a:pPr marL="0" lvl="0" indent="0" algn="l" defTabSz="1466850" rtl="0">
+          <a:pPr marL="0" lvl="0" indent="0" algn="l" defTabSz="1244600" rtl="0">
             <a:lnSpc>
               <a:spcPct val="90000"/>
             </a:lnSpc>
@@ -2466,15 +2463,15 @@
             <a:buNone/>
           </a:pPr>
           <a:r>
-            <a:rPr lang="en-US" sz="3300" kern="1200"/>
+            <a:rPr lang="en-US" sz="2800" kern="1200"/>
             <a:t>Models</a:t>
           </a:r>
-          <a:endParaRPr lang="en-IN" sz="3300" kern="1200"/>
+          <a:endParaRPr lang="en-IN" sz="2800" kern="1200"/>
         </a:p>
       </dsp:txBody>
       <dsp:txXfrm>
-        <a:off x="38638" y="2705099"/>
-        <a:ext cx="10438324" cy="714229"/>
+        <a:off x="31185" y="2221935"/>
+        <a:ext cx="9538830" cy="576449"/>
       </dsp:txXfrm>
     </dsp:sp>
     <dsp:sp modelId="{81B04754-6D93-4E08-B39C-10A5187EFE97}">
@@ -2484,8 +2481,8 @@
       </dsp:nvSpPr>
       <dsp:spPr>
         <a:xfrm>
-          <a:off x="0" y="3553006"/>
-          <a:ext cx="10515600" cy="791505"/>
+          <a:off x="0" y="2910210"/>
+          <a:ext cx="9601200" cy="638819"/>
         </a:xfrm>
         <a:prstGeom prst="roundRect">
           <a:avLst/>
@@ -2498,7 +2495,7 @@
             <a:alphaOff val="0"/>
           </a:schemeClr>
         </a:solidFill>
-        <a:ln w="12700" cap="flat" cmpd="sng" algn="ctr">
+        <a:ln w="34925" cap="flat" cmpd="sng" algn="in">
           <a:solidFill>
             <a:schemeClr val="lt1">
               <a:hueOff val="0"/>
@@ -2508,7 +2505,6 @@
             </a:schemeClr>
           </a:solidFill>
           <a:prstDash val="solid"/>
-          <a:miter lim="800000"/>
         </a:ln>
         <a:effectLst/>
       </dsp:spPr>
@@ -2527,12 +2523,12 @@
         </a:fontRef>
       </dsp:style>
       <dsp:txBody>
-        <a:bodyPr spcFirstLastPara="0" vert="horz" wrap="square" lIns="125730" tIns="125730" rIns="125730" bIns="125730" numCol="1" spcCol="1270" anchor="ctr" anchorCtr="0">
+        <a:bodyPr spcFirstLastPara="0" vert="horz" wrap="square" lIns="106680" tIns="106680" rIns="106680" bIns="106680" numCol="1" spcCol="1270" anchor="ctr" anchorCtr="0">
           <a:noAutofit/>
         </a:bodyPr>
         <a:lstStyle/>
         <a:p>
-          <a:pPr marL="0" lvl="0" indent="0" algn="l" defTabSz="1466850" rtl="0">
+          <a:pPr marL="0" lvl="0" indent="0" algn="l" defTabSz="1244600" rtl="0">
             <a:lnSpc>
               <a:spcPct val="90000"/>
             </a:lnSpc>
@@ -2545,15 +2541,15 @@
             <a:buNone/>
           </a:pPr>
           <a:r>
-            <a:rPr lang="en-US" sz="3300" kern="1200"/>
+            <a:rPr lang="en-US" sz="2800" kern="1200"/>
             <a:t>Insights</a:t>
           </a:r>
-          <a:endParaRPr lang="en-IN" sz="3300" kern="1200"/>
+          <a:endParaRPr lang="en-IN" sz="2800" kern="1200"/>
         </a:p>
       </dsp:txBody>
       <dsp:txXfrm>
-        <a:off x="38638" y="3591644"/>
-        <a:ext cx="10438324" cy="714229"/>
+        <a:off x="31185" y="2941395"/>
+        <a:ext cx="9538830" cy="576449"/>
       </dsp:txXfrm>
     </dsp:sp>
   </dsp:spTree>
@@ -2575,8 +2571,8 @@
       </dsp:nvSpPr>
       <dsp:spPr>
         <a:xfrm>
-          <a:off x="1943038" y="2124"/>
-          <a:ext cx="6599994" cy="1402286"/>
+          <a:off x="1774079" y="1748"/>
+          <a:ext cx="6026081" cy="1154162"/>
         </a:xfrm>
         <a:prstGeom prst="roundRect">
           <a:avLst/>
@@ -2589,9 +2585,9 @@
                 <a:satOff val="0"/>
                 <a:lumOff val="0"/>
                 <a:alphaOff val="0"/>
+                <a:tint val="94000"/>
                 <a:satMod val="103000"/>
                 <a:lumMod val="102000"/>
-                <a:tint val="94000"/>
               </a:schemeClr>
             </a:gs>
             <a:gs pos="50000">
@@ -2600,9 +2596,9 @@
                 <a:satOff val="0"/>
                 <a:lumOff val="0"/>
                 <a:alphaOff val="0"/>
+                <a:shade val="100000"/>
                 <a:satMod val="110000"/>
                 <a:lumMod val="100000"/>
-                <a:shade val="100000"/>
               </a:schemeClr>
             </a:gs>
             <a:gs pos="100000">
@@ -2611,9 +2607,9 @@
                 <a:satOff val="0"/>
                 <a:lumOff val="0"/>
                 <a:alphaOff val="0"/>
+                <a:shade val="78000"/>
+                <a:satMod val="120000"/>
                 <a:lumMod val="99000"/>
-                <a:satMod val="120000"/>
-                <a:shade val="78000"/>
               </a:schemeClr>
             </a:gs>
           </a:gsLst>
@@ -2673,8 +2669,8 @@
         </a:p>
       </dsp:txBody>
       <dsp:txXfrm>
-        <a:off x="2011492" y="70578"/>
-        <a:ext cx="6463086" cy="1265378"/>
+        <a:off x="1830421" y="58090"/>
+        <a:ext cx="5913397" cy="1041478"/>
       </dsp:txXfrm>
     </dsp:sp>
     <dsp:sp modelId="{01313DEE-BD65-43A8-A77D-7EFD8A02A352}">
@@ -2684,8 +2680,8 @@
       </dsp:nvSpPr>
       <dsp:spPr>
         <a:xfrm>
-          <a:off x="1976882" y="1459773"/>
-          <a:ext cx="6561835" cy="1402286"/>
+          <a:off x="1804979" y="1201477"/>
+          <a:ext cx="5991240" cy="1154162"/>
         </a:xfrm>
         <a:prstGeom prst="roundRect">
           <a:avLst/>
@@ -2698,9 +2694,9 @@
                 <a:satOff val="0"/>
                 <a:lumOff val="0"/>
                 <a:alphaOff val="0"/>
+                <a:tint val="94000"/>
                 <a:satMod val="103000"/>
                 <a:lumMod val="102000"/>
-                <a:tint val="94000"/>
               </a:schemeClr>
             </a:gs>
             <a:gs pos="50000">
@@ -2709,9 +2705,9 @@
                 <a:satOff val="0"/>
                 <a:lumOff val="0"/>
                 <a:alphaOff val="0"/>
+                <a:shade val="100000"/>
                 <a:satMod val="110000"/>
                 <a:lumMod val="100000"/>
-                <a:shade val="100000"/>
               </a:schemeClr>
             </a:gs>
             <a:gs pos="100000">
@@ -2720,9 +2716,9 @@
                 <a:satOff val="0"/>
                 <a:lumOff val="0"/>
                 <a:alphaOff val="0"/>
+                <a:shade val="78000"/>
+                <a:satMod val="120000"/>
                 <a:lumMod val="99000"/>
-                <a:satMod val="120000"/>
-                <a:shade val="78000"/>
               </a:schemeClr>
             </a:gs>
           </a:gsLst>
@@ -2781,8 +2777,8 @@
         </a:p>
       </dsp:txBody>
       <dsp:txXfrm>
-        <a:off x="2045336" y="1528227"/>
-        <a:ext cx="6424927" cy="1265378"/>
+        <a:off x="1861321" y="1257819"/>
+        <a:ext cx="5878556" cy="1041478"/>
       </dsp:txXfrm>
     </dsp:sp>
     <dsp:sp modelId="{157E165A-820B-4389-95C2-D144C86C88BF}">
@@ -2792,8 +2788,8 @@
       </dsp:nvSpPr>
       <dsp:spPr>
         <a:xfrm>
-          <a:off x="1943038" y="2932174"/>
-          <a:ext cx="6629522" cy="1402286"/>
+          <a:off x="1774079" y="2413347"/>
+          <a:ext cx="6053041" cy="1154162"/>
         </a:xfrm>
         <a:prstGeom prst="roundRect">
           <a:avLst/>
@@ -2806,9 +2802,9 @@
                 <a:satOff val="0"/>
                 <a:lumOff val="0"/>
                 <a:alphaOff val="0"/>
+                <a:tint val="94000"/>
                 <a:satMod val="103000"/>
                 <a:lumMod val="102000"/>
-                <a:tint val="94000"/>
               </a:schemeClr>
             </a:gs>
             <a:gs pos="50000">
@@ -2817,9 +2813,9 @@
                 <a:satOff val="0"/>
                 <a:lumOff val="0"/>
                 <a:alphaOff val="0"/>
+                <a:shade val="100000"/>
                 <a:satMod val="110000"/>
                 <a:lumMod val="100000"/>
-                <a:shade val="100000"/>
               </a:schemeClr>
             </a:gs>
             <a:gs pos="100000">
@@ -2828,9 +2824,9 @@
                 <a:satOff val="0"/>
                 <a:lumOff val="0"/>
                 <a:alphaOff val="0"/>
+                <a:shade val="78000"/>
+                <a:satMod val="120000"/>
                 <a:lumMod val="99000"/>
-                <a:satMod val="120000"/>
-                <a:shade val="78000"/>
               </a:schemeClr>
             </a:gs>
           </a:gsLst>
@@ -2894,8 +2890,8 @@
         </a:p>
       </dsp:txBody>
       <dsp:txXfrm>
-        <a:off x="2011492" y="3000628"/>
-        <a:ext cx="6492614" cy="1265378"/>
+        <a:off x="1830421" y="2469689"/>
+        <a:ext cx="5940357" cy="1041478"/>
       </dsp:txXfrm>
     </dsp:sp>
   </dsp:spTree>
@@ -5680,7 +5676,7 @@
           <a:p>
             <a:fld id="{FC688BA5-2109-42E5-B646-923EB5184521}" type="datetimeFigureOut">
               <a:rPr lang="en-US" smtClean="0"/>
-              <a:t>1/1/2018</a:t>
+              <a:t>1/3/2018</a:t>
             </a:fld>
             <a:endParaRPr lang="en-US"/>
           </a:p>
@@ -5775,7 +5771,6 @@
               <a:rPr lang="en-US"/>
               <a:t>Fifth level</a:t>
             </a:r>
-            <a:endParaRPr lang="en-US"/>
           </a:p>
         </p:txBody>
       </p:sp>
@@ -6201,8 +6196,16 @@
 </file>
 
 <file path=ppt/slideLayouts/slideLayout1.xml><?xml version="1.0" encoding="utf-8"?>
-<p:sldLayout xmlns:a="http://schemas.openxmlformats.org/drawingml/2006/main" xmlns:r="http://schemas.openxmlformats.org/officeDocument/2006/relationships" xmlns:p="http://schemas.openxmlformats.org/presentationml/2006/main" type="title" preserve="1">
+<p:sldLayout xmlns:a="http://schemas.openxmlformats.org/drawingml/2006/main" xmlns:r="http://schemas.openxmlformats.org/officeDocument/2006/relationships" xmlns:p="http://schemas.openxmlformats.org/presentationml/2006/main" showMasterSp="0" type="title" preserve="1">
   <p:cSld name="Title Slide">
+    <p:bg>
+      <p:bgPr>
+        <a:solidFill>
+          <a:schemeClr val="bg2"/>
+        </a:solidFill>
+        <a:effectLst/>
+      </p:bgPr>
+    </p:bg>
     <p:spTree>
       <p:nvGrpSpPr>
         <p:cNvPr id="1" name=""/>
@@ -6229,15 +6232,21 @@
         </p:nvSpPr>
         <p:spPr>
           <a:xfrm>
-            <a:off x="1524000" y="1122363"/>
-            <a:ext cx="9144000" cy="2387600"/>
+            <a:off x="1915128" y="1788454"/>
+            <a:ext cx="8361229" cy="2098226"/>
           </a:xfrm>
         </p:spPr>
         <p:txBody>
-          <a:bodyPr anchor="b"/>
+          <a:bodyPr anchor="b">
+            <a:noAutofit/>
+          </a:bodyPr>
           <a:lstStyle>
             <a:lvl1pPr algn="ctr">
-              <a:defRPr sz="6000"/>
+              <a:defRPr sz="7200" cap="all" baseline="0">
+                <a:solidFill>
+                  <a:schemeClr val="tx2"/>
+                </a:solidFill>
+              </a:defRPr>
             </a:lvl1pPr>
           </a:lstStyle>
           <a:p>
@@ -6245,7 +6254,7 @@
               <a:rPr lang="en-US"/>
               <a:t>Click to edit Master title style</a:t>
             </a:r>
-            <a:endParaRPr lang="en-US"/>
+            <a:endParaRPr lang="en-US" dirty="0"/>
           </a:p>
         </p:txBody>
       </p:sp>
@@ -6261,16 +6270,27 @@
         </p:nvSpPr>
         <p:spPr>
           <a:xfrm>
-            <a:off x="1524000" y="3602038"/>
-            <a:ext cx="9144000" cy="1655762"/>
+            <a:off x="2679906" y="3956279"/>
+            <a:ext cx="6831673" cy="1086237"/>
           </a:xfrm>
         </p:spPr>
         <p:txBody>
-          <a:bodyPr/>
+          <a:bodyPr>
+            <a:normAutofit/>
+          </a:bodyPr>
           <a:lstStyle>
             <a:lvl1pPr marL="0" indent="0" algn="ctr">
+              <a:lnSpc>
+                <a:spcPct val="112000"/>
+              </a:lnSpc>
+              <a:spcBef>
+                <a:spcPts val="0"/>
+              </a:spcBef>
+              <a:spcAft>
+                <a:spcPts val="0"/>
+              </a:spcAft>
               <a:buNone/>
-              <a:defRPr sz="2400"/>
+              <a:defRPr sz="2300"/>
             </a:lvl1pPr>
             <a:lvl2pPr marL="457200" indent="0" algn="ctr">
               <a:buNone/>
@@ -6310,7 +6330,7 @@
               <a:rPr lang="en-US"/>
               <a:t>Click to edit Master subtitle style</a:t>
             </a:r>
-            <a:endParaRPr lang="en-US"/>
+            <a:endParaRPr lang="en-US" dirty="0"/>
           </a:p>
         </p:txBody>
       </p:sp>
@@ -6324,14 +6344,27 @@
             <p:ph type="dt" sz="half" idx="10"/>
           </p:nvPr>
         </p:nvSpPr>
-        <p:spPr/>
+        <p:spPr>
+          <a:xfrm>
+            <a:off x="752858" y="6453386"/>
+            <a:ext cx="1607944" cy="404614"/>
+          </a:xfrm>
+        </p:spPr>
         <p:txBody>
           <a:bodyPr/>
-          <a:lstStyle/>
+          <a:lstStyle>
+            <a:lvl1pPr>
+              <a:defRPr baseline="0">
+                <a:solidFill>
+                  <a:schemeClr val="tx2"/>
+                </a:solidFill>
+              </a:defRPr>
+            </a:lvl1pPr>
+          </a:lstStyle>
           <a:p>
             <a:fld id="{7BFE640B-402B-4F6B-8B07-52D13993B479}" type="datetimeFigureOut">
               <a:rPr lang="en-US" smtClean="0"/>
-              <a:t>1/1/2018</a:t>
+              <a:t>1/3/2018</a:t>
             </a:fld>
             <a:endParaRPr lang="en-US"/>
           </a:p>
@@ -6347,10 +6380,23 @@
             <p:ph type="ftr" sz="quarter" idx="11"/>
           </p:nvPr>
         </p:nvSpPr>
-        <p:spPr/>
+        <p:spPr>
+          <a:xfrm>
+            <a:off x="2584054" y="6453386"/>
+            <a:ext cx="7023377" cy="404614"/>
+          </a:xfrm>
+        </p:spPr>
         <p:txBody>
           <a:bodyPr/>
-          <a:lstStyle/>
+          <a:lstStyle>
+            <a:lvl1pPr algn="ctr">
+              <a:defRPr baseline="0">
+                <a:solidFill>
+                  <a:schemeClr val="tx2"/>
+                </a:solidFill>
+              </a:defRPr>
+            </a:lvl1pPr>
+          </a:lstStyle>
           <a:p>
             <a:endParaRPr lang="en-US"/>
           </a:p>
@@ -6366,10 +6412,23 @@
             <p:ph type="sldNum" sz="quarter" idx="12"/>
           </p:nvPr>
         </p:nvSpPr>
-        <p:spPr/>
+        <p:spPr>
+          <a:xfrm>
+            <a:off x="9830683" y="6453386"/>
+            <a:ext cx="1596292" cy="404614"/>
+          </a:xfrm>
+        </p:spPr>
         <p:txBody>
           <a:bodyPr/>
-          <a:lstStyle/>
+          <a:lstStyle>
+            <a:lvl1pPr>
+              <a:defRPr baseline="0">
+                <a:solidFill>
+                  <a:schemeClr val="tx2"/>
+                </a:solidFill>
+              </a:defRPr>
+            </a:lvl1pPr>
+          </a:lstStyle>
           <a:p>
             <a:fld id="{752B43C3-795E-46AE-9CA7-AA7C11A66C74}" type="slidenum">
               <a:rPr lang="en-US" smtClean="0"/>
@@ -6379,15 +6438,144 @@
           </a:p>
         </p:txBody>
       </p:sp>
+      <p:grpSp>
+        <p:nvGrpSpPr>
+          <p:cNvPr id="7" name="Group 6"/>
+          <p:cNvGrpSpPr/>
+          <p:nvPr/>
+        </p:nvGrpSpPr>
+        <p:grpSpPr>
+          <a:xfrm>
+            <a:off x="752858" y="744469"/>
+            <a:ext cx="10674117" cy="5349671"/>
+            <a:chOff x="752858" y="744469"/>
+            <a:chExt cx="10674117" cy="5349671"/>
+          </a:xfrm>
+        </p:grpSpPr>
+        <p:sp>
+          <p:nvSpPr>
+            <p:cNvPr id="11" name="Freeform 6"/>
+            <p:cNvSpPr/>
+            <p:nvPr/>
+          </p:nvSpPr>
+          <p:spPr bwMode="auto">
+            <a:xfrm>
+              <a:off x="8151962" y="1685652"/>
+              <a:ext cx="3275013" cy="4408488"/>
+            </a:xfrm>
+            <a:custGeom>
+              <a:avLst/>
+              <a:gdLst/>
+              <a:ahLst/>
+              <a:cxnLst/>
+              <a:rect l="l" t="t" r="r" b="b"/>
+              <a:pathLst>
+                <a:path w="10000" h="10000">
+                  <a:moveTo>
+                    <a:pt x="8761" y="0"/>
+                  </a:moveTo>
+                  <a:lnTo>
+                    <a:pt x="10000" y="0"/>
+                  </a:lnTo>
+                  <a:lnTo>
+                    <a:pt x="10000" y="10000"/>
+                  </a:lnTo>
+                  <a:lnTo>
+                    <a:pt x="0" y="10000"/>
+                  </a:lnTo>
+                  <a:lnTo>
+                    <a:pt x="0" y="9126"/>
+                  </a:lnTo>
+                  <a:lnTo>
+                    <a:pt x="8761" y="9127"/>
+                  </a:lnTo>
+                  <a:lnTo>
+                    <a:pt x="8761" y="0"/>
+                  </a:lnTo>
+                  <a:close/>
+                </a:path>
+              </a:pathLst>
+            </a:custGeom>
+            <a:solidFill>
+              <a:schemeClr val="tx2"/>
+            </a:solidFill>
+            <a:ln w="0">
+              <a:noFill/>
+              <a:prstDash val="solid"/>
+              <a:round/>
+              <a:headEnd/>
+              <a:tailEnd/>
+            </a:ln>
+          </p:spPr>
+        </p:sp>
+        <p:sp>
+          <p:nvSpPr>
+            <p:cNvPr id="14" name="Freeform 6"/>
+            <p:cNvSpPr/>
+            <p:nvPr/>
+          </p:nvSpPr>
+          <p:spPr bwMode="auto">
+            <a:xfrm flipH="1" flipV="1">
+              <a:off x="752858" y="744469"/>
+              <a:ext cx="3275668" cy="4408488"/>
+            </a:xfrm>
+            <a:custGeom>
+              <a:avLst/>
+              <a:gdLst/>
+              <a:ahLst/>
+              <a:cxnLst/>
+              <a:rect l="l" t="t" r="r" b="b"/>
+              <a:pathLst>
+                <a:path w="10002" h="10000">
+                  <a:moveTo>
+                    <a:pt x="8763" y="0"/>
+                  </a:moveTo>
+                  <a:lnTo>
+                    <a:pt x="10002" y="0"/>
+                  </a:lnTo>
+                  <a:lnTo>
+                    <a:pt x="10002" y="10000"/>
+                  </a:lnTo>
+                  <a:lnTo>
+                    <a:pt x="2" y="10000"/>
+                  </a:lnTo>
+                  <a:cubicBezTo>
+                    <a:pt x="-2" y="9698"/>
+                    <a:pt x="4" y="9427"/>
+                    <a:pt x="0" y="9125"/>
+                  </a:cubicBezTo>
+                  <a:lnTo>
+                    <a:pt x="8763" y="9128"/>
+                  </a:lnTo>
+                  <a:lnTo>
+                    <a:pt x="8763" y="0"/>
+                  </a:lnTo>
+                  <a:close/>
+                </a:path>
+              </a:pathLst>
+            </a:custGeom>
+            <a:solidFill>
+              <a:schemeClr val="tx2"/>
+            </a:solidFill>
+            <a:ln w="0">
+              <a:noFill/>
+              <a:prstDash val="solid"/>
+              <a:round/>
+              <a:headEnd/>
+              <a:tailEnd/>
+            </a:ln>
+          </p:spPr>
+        </p:sp>
+      </p:grpSp>
     </p:spTree>
     <p:extLst>
       <p:ext uri="{BB962C8B-B14F-4D97-AF65-F5344CB8AC3E}">
-        <p14:creationId xmlns:p14="http://schemas.microsoft.com/office/powerpoint/2010/main" val="1222220725"/>
+        <p14:creationId xmlns:p14="http://schemas.microsoft.com/office/powerpoint/2010/main" val="1200285905"/>
       </p:ext>
     </p:extLst>
   </p:cSld>
   <p:clrMapOvr>
-    <a:masterClrMapping/>
+    <a:overrideClrMapping bg1="lt1" tx1="dk1" bg2="lt2" tx2="dk2" accent1="accent1" accent2="accent2" accent3="accent3" accent4="accent4" accent5="accent5" accent6="accent6" hlink="hlink" folHlink="folHlink"/>
   </p:clrMapOvr>
 </p:sldLayout>
 </file>
@@ -6428,7 +6616,7 @@
               <a:rPr lang="en-US"/>
               <a:t>Click to edit Master title style</a:t>
             </a:r>
-            <a:endParaRPr lang="en-US"/>
+            <a:endParaRPr lang="en-US" dirty="0"/>
           </a:p>
         </p:txBody>
       </p:sp>
@@ -6442,7 +6630,12 @@
             <p:ph type="body" orient="vert" idx="1"/>
           </p:nvPr>
         </p:nvSpPr>
-        <p:spPr/>
+        <p:spPr>
+          <a:xfrm>
+            <a:off x="1371600" y="2295525"/>
+            <a:ext cx="9601200" cy="3571875"/>
+          </a:xfrm>
+        </p:spPr>
         <p:txBody>
           <a:bodyPr vert="eaVert"/>
           <a:lstStyle/>
@@ -6480,7 +6673,7 @@
               <a:rPr lang="en-US"/>
               <a:t>Fifth level</a:t>
             </a:r>
-            <a:endParaRPr lang="en-US"/>
+            <a:endParaRPr lang="en-US" dirty="0"/>
           </a:p>
         </p:txBody>
       </p:sp>
@@ -6501,7 +6694,7 @@
           <a:p>
             <a:fld id="{7BFE640B-402B-4F6B-8B07-52D13993B479}" type="datetimeFigureOut">
               <a:rPr lang="en-US" smtClean="0"/>
-              <a:t>1/1/2018</a:t>
+              <a:t>1/3/2018</a:t>
             </a:fld>
             <a:endParaRPr lang="en-US"/>
           </a:p>
@@ -6552,7 +6745,7 @@
     </p:spTree>
     <p:extLst>
       <p:ext uri="{BB962C8B-B14F-4D97-AF65-F5344CB8AC3E}">
-        <p14:creationId xmlns:p14="http://schemas.microsoft.com/office/powerpoint/2010/main" val="2764929419"/>
+        <p14:creationId xmlns:p14="http://schemas.microsoft.com/office/powerpoint/2010/main" val="1416427611"/>
       </p:ext>
     </p:extLst>
   </p:cSld>
@@ -6591,8 +6784,8 @@
         </p:nvSpPr>
         <p:spPr>
           <a:xfrm>
-            <a:off x="8724900" y="365125"/>
-            <a:ext cx="2628900" cy="5811838"/>
+            <a:off x="9596561" y="624156"/>
+            <a:ext cx="1565766" cy="5243244"/>
           </a:xfrm>
         </p:spPr>
         <p:txBody>
@@ -6603,7 +6796,7 @@
               <a:rPr lang="en-US"/>
               <a:t>Click to edit Master title style</a:t>
             </a:r>
-            <a:endParaRPr lang="en-US"/>
+            <a:endParaRPr lang="en-US" dirty="0"/>
           </a:p>
         </p:txBody>
       </p:sp>
@@ -6619,8 +6812,8 @@
         </p:nvSpPr>
         <p:spPr>
           <a:xfrm>
-            <a:off x="838200" y="365125"/>
-            <a:ext cx="7734300" cy="5811838"/>
+            <a:off x="1371600" y="624156"/>
+            <a:ext cx="8179641" cy="5243244"/>
           </a:xfrm>
         </p:spPr>
         <p:txBody>
@@ -6660,7 +6853,7 @@
               <a:rPr lang="en-US"/>
               <a:t>Fifth level</a:t>
             </a:r>
-            <a:endParaRPr lang="en-US"/>
+            <a:endParaRPr lang="en-US" dirty="0"/>
           </a:p>
         </p:txBody>
       </p:sp>
@@ -6681,7 +6874,7 @@
           <a:p>
             <a:fld id="{7BFE640B-402B-4F6B-8B07-52D13993B479}" type="datetimeFigureOut">
               <a:rPr lang="en-US" smtClean="0"/>
-              <a:t>1/1/2018</a:t>
+              <a:t>1/3/2018</a:t>
             </a:fld>
             <a:endParaRPr lang="en-US"/>
           </a:p>
@@ -6732,7 +6925,7 @@
     </p:spTree>
     <p:extLst>
       <p:ext uri="{BB962C8B-B14F-4D97-AF65-F5344CB8AC3E}">
-        <p14:creationId xmlns:p14="http://schemas.microsoft.com/office/powerpoint/2010/main" val="684760901"/>
+        <p14:creationId xmlns:p14="http://schemas.microsoft.com/office/powerpoint/2010/main" val="8784618"/>
       </p:ext>
     </p:extLst>
   </p:cSld>
@@ -6778,7 +6971,7 @@
               <a:rPr lang="en-US"/>
               <a:t>Click to edit Master title style</a:t>
             </a:r>
-            <a:endParaRPr lang="en-US"/>
+            <a:endParaRPr lang="en-US" dirty="0"/>
           </a:p>
         </p:txBody>
       </p:sp>
@@ -6830,7 +7023,7 @@
               <a:rPr lang="en-US"/>
               <a:t>Fifth level</a:t>
             </a:r>
-            <a:endParaRPr lang="en-US"/>
+            <a:endParaRPr lang="en-US" dirty="0"/>
           </a:p>
         </p:txBody>
       </p:sp>
@@ -6851,7 +7044,7 @@
           <a:p>
             <a:fld id="{7BFE640B-402B-4F6B-8B07-52D13993B479}" type="datetimeFigureOut">
               <a:rPr lang="en-US" smtClean="0"/>
-              <a:t>1/1/2018</a:t>
+              <a:t>1/3/2018</a:t>
             </a:fld>
             <a:endParaRPr lang="en-US"/>
           </a:p>
@@ -6902,7 +7095,7 @@
     </p:spTree>
     <p:extLst>
       <p:ext uri="{BB962C8B-B14F-4D97-AF65-F5344CB8AC3E}">
-        <p14:creationId xmlns:p14="http://schemas.microsoft.com/office/powerpoint/2010/main" val="867789847"/>
+        <p14:creationId xmlns:p14="http://schemas.microsoft.com/office/powerpoint/2010/main" val="4040028232"/>
       </p:ext>
     </p:extLst>
   </p:cSld>
@@ -6913,8 +7106,13 @@
 </file>
 
 <file path=ppt/slideLayouts/slideLayout3.xml><?xml version="1.0" encoding="utf-8"?>
-<p:sldLayout xmlns:a="http://schemas.openxmlformats.org/drawingml/2006/main" xmlns:r="http://schemas.openxmlformats.org/officeDocument/2006/relationships" xmlns:p="http://schemas.openxmlformats.org/presentationml/2006/main" type="secHead" preserve="1">
+<p:sldLayout xmlns:a="http://schemas.openxmlformats.org/drawingml/2006/main" xmlns:r="http://schemas.openxmlformats.org/officeDocument/2006/relationships" xmlns:p="http://schemas.openxmlformats.org/presentationml/2006/main" showMasterSp="0" type="secHead" preserve="1">
   <p:cSld name="Section Header">
+    <p:bg>
+      <p:bgRef idx="1001">
+        <a:schemeClr val="bg2"/>
+      </p:bgRef>
+    </p:bg>
     <p:spTree>
       <p:nvGrpSpPr>
         <p:cNvPr id="1" name=""/>
@@ -6941,15 +7139,21 @@
         </p:nvSpPr>
         <p:spPr>
           <a:xfrm>
-            <a:off x="831850" y="1709738"/>
-            <a:ext cx="10515600" cy="2852737"/>
+            <a:off x="765025" y="1301360"/>
+            <a:ext cx="9612971" cy="2852737"/>
           </a:xfrm>
         </p:spPr>
         <p:txBody>
-          <a:bodyPr anchor="b"/>
+          <a:bodyPr anchor="b">
+            <a:normAutofit/>
+          </a:bodyPr>
           <a:lstStyle>
-            <a:lvl1pPr>
-              <a:defRPr sz="6000"/>
+            <a:lvl1pPr algn="r">
+              <a:defRPr sz="7200" cap="all" baseline="0">
+                <a:solidFill>
+                  <a:schemeClr val="tx2"/>
+                </a:solidFill>
+              </a:defRPr>
             </a:lvl1pPr>
           </a:lstStyle>
           <a:p>
@@ -6957,7 +7161,7 @@
               <a:rPr lang="en-US"/>
               <a:t>Click to edit Master title style</a:t>
             </a:r>
-            <a:endParaRPr lang="en-US"/>
+            <a:endParaRPr lang="en-US" dirty="0"/>
           </a:p>
         </p:txBody>
       </p:sp>
@@ -6973,20 +7177,27 @@
         </p:nvSpPr>
         <p:spPr>
           <a:xfrm>
-            <a:off x="831850" y="4589463"/>
-            <a:ext cx="10515600" cy="1500187"/>
+            <a:off x="765025" y="4216328"/>
+            <a:ext cx="9612971" cy="1143324"/>
           </a:xfrm>
         </p:spPr>
         <p:txBody>
           <a:bodyPr/>
           <a:lstStyle>
-            <a:lvl1pPr marL="0" indent="0">
+            <a:lvl1pPr marL="0" indent="0" algn="r">
+              <a:lnSpc>
+                <a:spcPct val="112000"/>
+              </a:lnSpc>
+              <a:spcBef>
+                <a:spcPts val="0"/>
+              </a:spcBef>
+              <a:spcAft>
+                <a:spcPts val="0"/>
+              </a:spcAft>
               <a:buNone/>
               <a:defRPr sz="2400">
                 <a:solidFill>
-                  <a:schemeClr val="tx1">
-                    <a:tint val="75000"/>
-                  </a:schemeClr>
+                  <a:schemeClr val="tx2"/>
                 </a:solidFill>
               </a:defRPr>
             </a:lvl1pPr>
@@ -7090,14 +7301,27 @@
             <p:ph type="dt" sz="half" idx="10"/>
           </p:nvPr>
         </p:nvSpPr>
-        <p:spPr/>
+        <p:spPr>
+          <a:xfrm>
+            <a:off x="738908" y="6453386"/>
+            <a:ext cx="1622409" cy="404614"/>
+          </a:xfrm>
+        </p:spPr>
         <p:txBody>
           <a:bodyPr/>
-          <a:lstStyle/>
+          <a:lstStyle>
+            <a:lvl1pPr>
+              <a:defRPr>
+                <a:solidFill>
+                  <a:schemeClr val="tx2"/>
+                </a:solidFill>
+              </a:defRPr>
+            </a:lvl1pPr>
+          </a:lstStyle>
           <a:p>
             <a:fld id="{7BFE640B-402B-4F6B-8B07-52D13993B479}" type="datetimeFigureOut">
               <a:rPr lang="en-US" smtClean="0"/>
-              <a:t>1/1/2018</a:t>
+              <a:t>1/3/2018</a:t>
             </a:fld>
             <a:endParaRPr lang="en-US"/>
           </a:p>
@@ -7113,10 +7337,23 @@
             <p:ph type="ftr" sz="quarter" idx="11"/>
           </p:nvPr>
         </p:nvSpPr>
-        <p:spPr/>
+        <p:spPr>
+          <a:xfrm>
+            <a:off x="2584312" y="6453386"/>
+            <a:ext cx="7023377" cy="404614"/>
+          </a:xfrm>
+        </p:spPr>
         <p:txBody>
           <a:bodyPr/>
-          <a:lstStyle/>
+          <a:lstStyle>
+            <a:lvl1pPr algn="ctr">
+              <a:defRPr>
+                <a:solidFill>
+                  <a:schemeClr val="tx2"/>
+                </a:solidFill>
+              </a:defRPr>
+            </a:lvl1pPr>
+          </a:lstStyle>
           <a:p>
             <a:endParaRPr lang="en-US"/>
           </a:p>
@@ -7132,10 +7369,23 @@
             <p:ph type="sldNum" sz="quarter" idx="12"/>
           </p:nvPr>
         </p:nvSpPr>
-        <p:spPr/>
+        <p:spPr>
+          <a:xfrm>
+            <a:off x="9830683" y="6453386"/>
+            <a:ext cx="1596292" cy="404614"/>
+          </a:xfrm>
+        </p:spPr>
         <p:txBody>
           <a:bodyPr/>
-          <a:lstStyle/>
+          <a:lstStyle>
+            <a:lvl1pPr>
+              <a:defRPr>
+                <a:solidFill>
+                  <a:schemeClr val="tx2"/>
+                </a:solidFill>
+              </a:defRPr>
+            </a:lvl1pPr>
+          </a:lstStyle>
           <a:p>
             <a:fld id="{752B43C3-795E-46AE-9CA7-AA7C11A66C74}" type="slidenum">
               <a:rPr lang="en-US" smtClean="0"/>
@@ -7145,15 +7395,71 @@
           </a:p>
         </p:txBody>
       </p:sp>
+      <p:sp>
+        <p:nvSpPr>
+          <p:cNvPr id="7" name="Freeform 6" title="Crop Mark"/>
+          <p:cNvSpPr/>
+          <p:nvPr/>
+        </p:nvSpPr>
+        <p:spPr bwMode="auto">
+          <a:xfrm>
+            <a:off x="8151962" y="1685652"/>
+            <a:ext cx="3275013" cy="4408488"/>
+          </a:xfrm>
+          <a:custGeom>
+            <a:avLst/>
+            <a:gdLst/>
+            <a:ahLst/>
+            <a:cxnLst/>
+            <a:rect l="0" t="0" r="r" b="b"/>
+            <a:pathLst>
+              <a:path w="4125" h="5554">
+                <a:moveTo>
+                  <a:pt x="3614" y="0"/>
+                </a:moveTo>
+                <a:lnTo>
+                  <a:pt x="4125" y="0"/>
+                </a:lnTo>
+                <a:lnTo>
+                  <a:pt x="4125" y="5554"/>
+                </a:lnTo>
+                <a:lnTo>
+                  <a:pt x="0" y="5554"/>
+                </a:lnTo>
+                <a:lnTo>
+                  <a:pt x="0" y="5074"/>
+                </a:lnTo>
+                <a:lnTo>
+                  <a:pt x="3614" y="5074"/>
+                </a:lnTo>
+                <a:lnTo>
+                  <a:pt x="3614" y="0"/>
+                </a:lnTo>
+                <a:close/>
+              </a:path>
+            </a:pathLst>
+          </a:custGeom>
+          <a:solidFill>
+            <a:schemeClr val="tx2"/>
+          </a:solidFill>
+          <a:ln w="0">
+            <a:noFill/>
+            <a:prstDash val="solid"/>
+            <a:round/>
+            <a:headEnd/>
+            <a:tailEnd/>
+          </a:ln>
+        </p:spPr>
+      </p:sp>
     </p:spTree>
     <p:extLst>
       <p:ext uri="{BB962C8B-B14F-4D97-AF65-F5344CB8AC3E}">
-        <p14:creationId xmlns:p14="http://schemas.microsoft.com/office/powerpoint/2010/main" val="691035197"/>
+        <p14:creationId xmlns:p14="http://schemas.microsoft.com/office/powerpoint/2010/main" val="3802224664"/>
       </p:ext>
     </p:extLst>
   </p:cSld>
   <p:clrMapOvr>
-    <a:masterClrMapping/>
+    <a:overrideClrMapping bg1="dk1" tx1="lt1" bg2="dk2" tx2="lt2" accent1="accent1" accent2="accent2" accent3="accent3" accent4="accent4" accent5="accent5" accent6="accent6" hlink="hlink" folHlink="folHlink"/>
   </p:clrMapOvr>
 </p:sldLayout>
 </file>
@@ -7188,13 +7494,21 @@
         <p:spPr/>
         <p:txBody>
           <a:bodyPr/>
-          <a:lstStyle/>
+          <a:lstStyle>
+            <a:lvl1pPr>
+              <a:defRPr>
+                <a:solidFill>
+                  <a:schemeClr val="tx2"/>
+                </a:solidFill>
+              </a:defRPr>
+            </a:lvl1pPr>
+          </a:lstStyle>
           <a:p>
             <a:r>
               <a:rPr lang="en-US"/>
               <a:t>Click to edit Master title style</a:t>
             </a:r>
-            <a:endParaRPr lang="en-US"/>
+            <a:endParaRPr lang="en-US" dirty="0"/>
           </a:p>
         </p:txBody>
       </p:sp>
@@ -7210,13 +7524,49 @@
         </p:nvSpPr>
         <p:spPr>
           <a:xfrm>
-            <a:off x="838200" y="1825625"/>
-            <a:ext cx="5181600" cy="4351338"/>
+            <a:off x="1371600" y="2285999"/>
+            <a:ext cx="4447786" cy="3581401"/>
           </a:xfrm>
         </p:spPr>
         <p:txBody>
           <a:bodyPr/>
-          <a:lstStyle/>
+          <a:lstStyle>
+            <a:lvl1pPr>
+              <a:defRPr baseline="0">
+                <a:solidFill>
+                  <a:schemeClr val="tx2"/>
+                </a:solidFill>
+              </a:defRPr>
+            </a:lvl1pPr>
+            <a:lvl2pPr>
+              <a:defRPr baseline="0">
+                <a:solidFill>
+                  <a:schemeClr val="tx2"/>
+                </a:solidFill>
+              </a:defRPr>
+            </a:lvl2pPr>
+            <a:lvl3pPr>
+              <a:defRPr baseline="0">
+                <a:solidFill>
+                  <a:schemeClr val="tx2"/>
+                </a:solidFill>
+              </a:defRPr>
+            </a:lvl3pPr>
+            <a:lvl4pPr>
+              <a:defRPr baseline="0">
+                <a:solidFill>
+                  <a:schemeClr val="tx2"/>
+                </a:solidFill>
+              </a:defRPr>
+            </a:lvl4pPr>
+            <a:lvl5pPr>
+              <a:defRPr baseline="0">
+                <a:solidFill>
+                  <a:schemeClr val="tx2"/>
+                </a:solidFill>
+              </a:defRPr>
+            </a:lvl5pPr>
+          </a:lstStyle>
           <a:p>
             <a:pPr lvl="0"/>
             <a:r>
@@ -7251,7 +7601,7 @@
               <a:rPr lang="en-US"/>
               <a:t>Fifth level</a:t>
             </a:r>
-            <a:endParaRPr lang="en-US"/>
+            <a:endParaRPr lang="en-US" dirty="0"/>
           </a:p>
         </p:txBody>
       </p:sp>
@@ -7267,13 +7617,49 @@
         </p:nvSpPr>
         <p:spPr>
           <a:xfrm>
-            <a:off x="6172200" y="1825625"/>
-            <a:ext cx="5181600" cy="4351338"/>
+            <a:off x="6525403" y="2285999"/>
+            <a:ext cx="4447786" cy="3581401"/>
           </a:xfrm>
         </p:spPr>
         <p:txBody>
           <a:bodyPr/>
-          <a:lstStyle/>
+          <a:lstStyle>
+            <a:lvl1pPr>
+              <a:defRPr>
+                <a:solidFill>
+                  <a:schemeClr val="tx2"/>
+                </a:solidFill>
+              </a:defRPr>
+            </a:lvl1pPr>
+            <a:lvl2pPr>
+              <a:defRPr>
+                <a:solidFill>
+                  <a:schemeClr val="tx2"/>
+                </a:solidFill>
+              </a:defRPr>
+            </a:lvl2pPr>
+            <a:lvl3pPr>
+              <a:defRPr>
+                <a:solidFill>
+                  <a:schemeClr val="tx2"/>
+                </a:solidFill>
+              </a:defRPr>
+            </a:lvl3pPr>
+            <a:lvl4pPr>
+              <a:defRPr>
+                <a:solidFill>
+                  <a:schemeClr val="tx2"/>
+                </a:solidFill>
+              </a:defRPr>
+            </a:lvl4pPr>
+            <a:lvl5pPr>
+              <a:defRPr>
+                <a:solidFill>
+                  <a:schemeClr val="tx2"/>
+                </a:solidFill>
+              </a:defRPr>
+            </a:lvl5pPr>
+          </a:lstStyle>
           <a:p>
             <a:pPr lvl="0"/>
             <a:r>
@@ -7308,7 +7694,7 @@
               <a:rPr lang="en-US"/>
               <a:t>Fifth level</a:t>
             </a:r>
-            <a:endParaRPr lang="en-US"/>
+            <a:endParaRPr lang="en-US" dirty="0"/>
           </a:p>
         </p:txBody>
       </p:sp>
@@ -7329,7 +7715,7 @@
           <a:p>
             <a:fld id="{7BFE640B-402B-4F6B-8B07-52D13993B479}" type="datetimeFigureOut">
               <a:rPr lang="en-US" smtClean="0"/>
-              <a:t>1/1/2018</a:t>
+              <a:t>1/3/2018</a:t>
             </a:fld>
             <a:endParaRPr lang="en-US"/>
           </a:p>
@@ -7380,7 +7766,7 @@
     </p:spTree>
     <p:extLst>
       <p:ext uri="{BB962C8B-B14F-4D97-AF65-F5344CB8AC3E}">
-        <p14:creationId xmlns:p14="http://schemas.microsoft.com/office/powerpoint/2010/main" val="1591516514"/>
+        <p14:creationId xmlns:p14="http://schemas.microsoft.com/office/powerpoint/2010/main" val="310606179"/>
       </p:ext>
     </p:extLst>
   </p:cSld>
@@ -7419,19 +7805,27 @@
         </p:nvSpPr>
         <p:spPr>
           <a:xfrm>
-            <a:off x="839788" y="365125"/>
-            <a:ext cx="10515600" cy="1325563"/>
+            <a:off x="1371600" y="685800"/>
+            <a:ext cx="9601200" cy="1485900"/>
           </a:xfrm>
         </p:spPr>
         <p:txBody>
           <a:bodyPr/>
-          <a:lstStyle/>
+          <a:lstStyle>
+            <a:lvl1pPr>
+              <a:defRPr>
+                <a:solidFill>
+                  <a:schemeClr val="tx2"/>
+                </a:solidFill>
+              </a:defRPr>
+            </a:lvl1pPr>
+          </a:lstStyle>
           <a:p>
             <a:r>
               <a:rPr lang="en-US"/>
               <a:t>Click to edit Master title style</a:t>
             </a:r>
-            <a:endParaRPr lang="en-US"/>
+            <a:endParaRPr lang="en-US" dirty="0"/>
           </a:p>
         </p:txBody>
       </p:sp>
@@ -7447,16 +7841,31 @@
         </p:nvSpPr>
         <p:spPr>
           <a:xfrm>
-            <a:off x="839788" y="1681163"/>
-            <a:ext cx="5157787" cy="823912"/>
+            <a:off x="1371600" y="2340864"/>
+            <a:ext cx="4443984" cy="823912"/>
           </a:xfrm>
         </p:spPr>
         <p:txBody>
-          <a:bodyPr anchor="b"/>
+          <a:bodyPr anchor="b">
+            <a:noAutofit/>
+          </a:bodyPr>
           <a:lstStyle>
             <a:lvl1pPr marL="0" indent="0">
+              <a:lnSpc>
+                <a:spcPct val="84000"/>
+              </a:lnSpc>
+              <a:spcBef>
+                <a:spcPts val="0"/>
+              </a:spcBef>
+              <a:spcAft>
+                <a:spcPts val="0"/>
+              </a:spcAft>
               <a:buNone/>
-              <a:defRPr sz="2400" b="1"/>
+              <a:defRPr sz="3000" b="0" baseline="0">
+                <a:solidFill>
+                  <a:schemeClr val="tx2"/>
+                </a:solidFill>
+              </a:defRPr>
             </a:lvl1pPr>
             <a:lvl2pPr marL="457200" indent="0">
               <a:buNone/>
@@ -7512,13 +7921,49 @@
         </p:nvSpPr>
         <p:spPr>
           <a:xfrm>
-            <a:off x="839788" y="2505075"/>
-            <a:ext cx="5157787" cy="3684588"/>
+            <a:off x="1371600" y="3305207"/>
+            <a:ext cx="4443984" cy="2562193"/>
           </a:xfrm>
         </p:spPr>
         <p:txBody>
           <a:bodyPr/>
-          <a:lstStyle/>
+          <a:lstStyle>
+            <a:lvl1pPr>
+              <a:defRPr baseline="0">
+                <a:solidFill>
+                  <a:schemeClr val="tx2"/>
+                </a:solidFill>
+              </a:defRPr>
+            </a:lvl1pPr>
+            <a:lvl2pPr>
+              <a:defRPr baseline="0">
+                <a:solidFill>
+                  <a:schemeClr val="tx2"/>
+                </a:solidFill>
+              </a:defRPr>
+            </a:lvl2pPr>
+            <a:lvl3pPr>
+              <a:defRPr baseline="0">
+                <a:solidFill>
+                  <a:schemeClr val="tx2"/>
+                </a:solidFill>
+              </a:defRPr>
+            </a:lvl3pPr>
+            <a:lvl4pPr>
+              <a:defRPr baseline="0">
+                <a:solidFill>
+                  <a:schemeClr val="tx2"/>
+                </a:solidFill>
+              </a:defRPr>
+            </a:lvl4pPr>
+            <a:lvl5pPr>
+              <a:defRPr baseline="0">
+                <a:solidFill>
+                  <a:schemeClr val="tx2"/>
+                </a:solidFill>
+              </a:defRPr>
+            </a:lvl5pPr>
+          </a:lstStyle>
           <a:p>
             <a:pPr lvl="0"/>
             <a:r>
@@ -7553,7 +7998,7 @@
               <a:rPr lang="en-US"/>
               <a:t>Fifth level</a:t>
             </a:r>
-            <a:endParaRPr lang="en-US"/>
+            <a:endParaRPr lang="en-US" dirty="0"/>
           </a:p>
         </p:txBody>
       </p:sp>
@@ -7569,16 +8014,31 @@
         </p:nvSpPr>
         <p:spPr>
           <a:xfrm>
-            <a:off x="6172200" y="1681163"/>
-            <a:ext cx="5183188" cy="823912"/>
+            <a:off x="6525014" y="2340864"/>
+            <a:ext cx="4443984" cy="823912"/>
           </a:xfrm>
         </p:spPr>
         <p:txBody>
-          <a:bodyPr anchor="b"/>
+          <a:bodyPr anchor="b">
+            <a:noAutofit/>
+          </a:bodyPr>
           <a:lstStyle>
             <a:lvl1pPr marL="0" indent="0">
+              <a:lnSpc>
+                <a:spcPct val="84000"/>
+              </a:lnSpc>
+              <a:spcBef>
+                <a:spcPts val="0"/>
+              </a:spcBef>
+              <a:spcAft>
+                <a:spcPts val="0"/>
+              </a:spcAft>
               <a:buNone/>
-              <a:defRPr sz="2400" b="1"/>
+              <a:defRPr sz="3000" b="0" baseline="0">
+                <a:solidFill>
+                  <a:schemeClr val="tx2"/>
+                </a:solidFill>
+              </a:defRPr>
             </a:lvl1pPr>
             <a:lvl2pPr marL="457200" indent="0">
               <a:buNone/>
@@ -7634,13 +8094,49 @@
         </p:nvSpPr>
         <p:spPr>
           <a:xfrm>
-            <a:off x="6172200" y="2505075"/>
-            <a:ext cx="5183188" cy="3684588"/>
+            <a:off x="6525014" y="3305207"/>
+            <a:ext cx="4443984" cy="2562193"/>
           </a:xfrm>
         </p:spPr>
         <p:txBody>
           <a:bodyPr/>
-          <a:lstStyle/>
+          <a:lstStyle>
+            <a:lvl1pPr>
+              <a:defRPr baseline="0">
+                <a:solidFill>
+                  <a:schemeClr val="tx2"/>
+                </a:solidFill>
+              </a:defRPr>
+            </a:lvl1pPr>
+            <a:lvl2pPr>
+              <a:defRPr baseline="0">
+                <a:solidFill>
+                  <a:schemeClr val="tx2"/>
+                </a:solidFill>
+              </a:defRPr>
+            </a:lvl2pPr>
+            <a:lvl3pPr>
+              <a:defRPr baseline="0">
+                <a:solidFill>
+                  <a:schemeClr val="tx2"/>
+                </a:solidFill>
+              </a:defRPr>
+            </a:lvl3pPr>
+            <a:lvl4pPr>
+              <a:defRPr baseline="0">
+                <a:solidFill>
+                  <a:schemeClr val="tx2"/>
+                </a:solidFill>
+              </a:defRPr>
+            </a:lvl4pPr>
+            <a:lvl5pPr>
+              <a:defRPr baseline="0">
+                <a:solidFill>
+                  <a:schemeClr val="tx2"/>
+                </a:solidFill>
+              </a:defRPr>
+            </a:lvl5pPr>
+          </a:lstStyle>
           <a:p>
             <a:pPr lvl="0"/>
             <a:r>
@@ -7675,7 +8171,7 @@
               <a:rPr lang="en-US"/>
               <a:t>Fifth level</a:t>
             </a:r>
-            <a:endParaRPr lang="en-US"/>
+            <a:endParaRPr lang="en-US" dirty="0"/>
           </a:p>
         </p:txBody>
       </p:sp>
@@ -7696,7 +8192,7 @@
           <a:p>
             <a:fld id="{7BFE640B-402B-4F6B-8B07-52D13993B479}" type="datetimeFigureOut">
               <a:rPr lang="en-US" smtClean="0"/>
-              <a:t>1/1/2018</a:t>
+              <a:t>1/3/2018</a:t>
             </a:fld>
             <a:endParaRPr lang="en-US"/>
           </a:p>
@@ -7747,7 +8243,7 @@
     </p:spTree>
     <p:extLst>
       <p:ext uri="{BB962C8B-B14F-4D97-AF65-F5344CB8AC3E}">
-        <p14:creationId xmlns:p14="http://schemas.microsoft.com/office/powerpoint/2010/main" val="2056591096"/>
+        <p14:creationId xmlns:p14="http://schemas.microsoft.com/office/powerpoint/2010/main" val="2823756621"/>
       </p:ext>
     </p:extLst>
   </p:cSld>
@@ -7793,7 +8289,7 @@
               <a:rPr lang="en-US"/>
               <a:t>Click to edit Master title style</a:t>
             </a:r>
-            <a:endParaRPr lang="en-US"/>
+            <a:endParaRPr lang="en-US" dirty="0"/>
           </a:p>
         </p:txBody>
       </p:sp>
@@ -7814,7 +8310,7 @@
           <a:p>
             <a:fld id="{7BFE640B-402B-4F6B-8B07-52D13993B479}" type="datetimeFigureOut">
               <a:rPr lang="en-US" smtClean="0"/>
-              <a:t>1/1/2018</a:t>
+              <a:t>1/3/2018</a:t>
             </a:fld>
             <a:endParaRPr lang="en-US"/>
           </a:p>
@@ -7865,7 +8361,7 @@
     </p:spTree>
     <p:extLst>
       <p:ext uri="{BB962C8B-B14F-4D97-AF65-F5344CB8AC3E}">
-        <p14:creationId xmlns:p14="http://schemas.microsoft.com/office/powerpoint/2010/main" val="2703358262"/>
+        <p14:creationId xmlns:p14="http://schemas.microsoft.com/office/powerpoint/2010/main" val="470682025"/>
       </p:ext>
     </p:extLst>
   </p:cSld>
@@ -7909,7 +8405,7 @@
           <a:p>
             <a:fld id="{7BFE640B-402B-4F6B-8B07-52D13993B479}" type="datetimeFigureOut">
               <a:rPr lang="en-US" smtClean="0"/>
-              <a:t>1/1/2018</a:t>
+              <a:t>1/3/2018</a:t>
             </a:fld>
             <a:endParaRPr lang="en-US"/>
           </a:p>
@@ -7960,7 +8456,7 @@
     </p:spTree>
     <p:extLst>
       <p:ext uri="{BB962C8B-B14F-4D97-AF65-F5344CB8AC3E}">
-        <p14:creationId xmlns:p14="http://schemas.microsoft.com/office/powerpoint/2010/main" val="4253261239"/>
+        <p14:creationId xmlns:p14="http://schemas.microsoft.com/office/powerpoint/2010/main" val="2745481789"/>
       </p:ext>
     </p:extLst>
   </p:cSld>
@@ -7971,7 +8467,7 @@
 </file>
 
 <file path=ppt/slideLayouts/slideLayout8.xml><?xml version="1.0" encoding="utf-8"?>
-<p:sldLayout xmlns:a="http://schemas.openxmlformats.org/drawingml/2006/main" xmlns:r="http://schemas.openxmlformats.org/officeDocument/2006/relationships" xmlns:p="http://schemas.openxmlformats.org/presentationml/2006/main" type="objTx" preserve="1">
+<p:sldLayout xmlns:a="http://schemas.openxmlformats.org/drawingml/2006/main" xmlns:r="http://schemas.openxmlformats.org/officeDocument/2006/relationships" xmlns:p="http://schemas.openxmlformats.org/presentationml/2006/main" showMasterSp="0" type="objTx" preserve="1">
   <p:cSld name="Content with Caption">
     <p:spTree>
       <p:nvGrpSpPr>
@@ -7989,6 +8485,44 @@
       </p:grpSpPr>
       <p:sp>
         <p:nvSpPr>
+          <p:cNvPr id="8" name="Rectangle 7" title="Background Shape"/>
+          <p:cNvSpPr/>
+          <p:nvPr/>
+        </p:nvSpPr>
+        <p:spPr>
+          <a:xfrm>
+            <a:off x="0" y="376"/>
+            <a:ext cx="5303520" cy="6857624"/>
+          </a:xfrm>
+          <a:prstGeom prst="rect">
+            <a:avLst/>
+          </a:prstGeom>
+          <a:solidFill>
+            <a:schemeClr val="accent1"/>
+          </a:solidFill>
+          <a:ln>
+            <a:noFill/>
+          </a:ln>
+        </p:spPr>
+        <p:style>
+          <a:lnRef idx="2">
+            <a:schemeClr val="accent1">
+              <a:shade val="50000"/>
+            </a:schemeClr>
+          </a:lnRef>
+          <a:fillRef idx="1">
+            <a:schemeClr val="accent1"/>
+          </a:fillRef>
+          <a:effectRef idx="0">
+            <a:schemeClr val="accent1"/>
+          </a:effectRef>
+          <a:fontRef idx="minor">
+            <a:schemeClr val="lt1"/>
+          </a:fontRef>
+        </p:style>
+      </p:sp>
+      <p:sp>
+        <p:nvSpPr>
           <p:cNvPr id="2" name="Title 1"/>
           <p:cNvSpPr>
             <a:spLocks noGrp="1"/>
@@ -7999,15 +8533,24 @@
         </p:nvSpPr>
         <p:spPr>
           <a:xfrm>
-            <a:off x="839788" y="457200"/>
-            <a:ext cx="3932237" cy="1600200"/>
+            <a:off x="723900" y="685800"/>
+            <a:ext cx="3855720" cy="2157884"/>
           </a:xfrm>
         </p:spPr>
         <p:txBody>
-          <a:bodyPr anchor="b"/>
+          <a:bodyPr anchor="t">
+            <a:noAutofit/>
+          </a:bodyPr>
           <a:lstStyle>
             <a:lvl1pPr>
-              <a:defRPr sz="3200"/>
+              <a:lnSpc>
+                <a:spcPct val="84000"/>
+              </a:lnSpc>
+              <a:defRPr sz="4800" baseline="0">
+                <a:solidFill>
+                  <a:schemeClr val="tx2"/>
+                </a:solidFill>
+              </a:defRPr>
             </a:lvl1pPr>
           </a:lstStyle>
           <a:p>
@@ -8015,7 +8558,7 @@
               <a:rPr lang="en-US"/>
               <a:t>Click to edit Master title style</a:t>
             </a:r>
-            <a:endParaRPr lang="en-US"/>
+            <a:endParaRPr lang="en-US" dirty="0"/>
           </a:p>
         </p:txBody>
       </p:sp>
@@ -8031,39 +8574,39 @@
         </p:nvSpPr>
         <p:spPr>
           <a:xfrm>
-            <a:off x="5183188" y="987425"/>
-            <a:ext cx="6172200" cy="4873625"/>
+            <a:off x="6256020" y="685801"/>
+            <a:ext cx="5212080" cy="5175250"/>
           </a:xfrm>
         </p:spPr>
         <p:txBody>
           <a:bodyPr/>
           <a:lstStyle>
             <a:lvl1pPr>
-              <a:defRPr sz="3200"/>
+              <a:defRPr sz="2000"/>
             </a:lvl1pPr>
             <a:lvl2pPr>
-              <a:defRPr sz="2800"/>
+              <a:defRPr sz="2000"/>
             </a:lvl2pPr>
             <a:lvl3pPr>
-              <a:defRPr sz="2400"/>
+              <a:defRPr sz="1800"/>
             </a:lvl3pPr>
             <a:lvl4pPr>
-              <a:defRPr sz="2000"/>
+              <a:defRPr sz="1800"/>
             </a:lvl4pPr>
             <a:lvl5pPr>
-              <a:defRPr sz="2000"/>
+              <a:defRPr sz="1600"/>
             </a:lvl5pPr>
             <a:lvl6pPr>
-              <a:defRPr sz="2000"/>
+              <a:defRPr sz="1600"/>
             </a:lvl6pPr>
             <a:lvl7pPr>
-              <a:defRPr sz="2000"/>
+              <a:defRPr sz="1600"/>
             </a:lvl7pPr>
             <a:lvl8pPr>
-              <a:defRPr sz="2000"/>
+              <a:defRPr sz="1600"/>
             </a:lvl8pPr>
             <a:lvl9pPr>
-              <a:defRPr sz="2000"/>
+              <a:defRPr sz="1600"/>
             </a:lvl9pPr>
           </a:lstStyle>
           <a:p>
@@ -8100,7 +8643,7 @@
               <a:rPr lang="en-US"/>
               <a:t>Fifth level</a:t>
             </a:r>
-            <a:endParaRPr lang="en-US"/>
+            <a:endParaRPr lang="en-US" dirty="0"/>
           </a:p>
         </p:txBody>
       </p:sp>
@@ -8116,14 +8659,23 @@
         </p:nvSpPr>
         <p:spPr>
           <a:xfrm>
-            <a:off x="839788" y="2057400"/>
-            <a:ext cx="3932237" cy="3811588"/>
+            <a:off x="723900" y="2856344"/>
+            <a:ext cx="3855720" cy="3011056"/>
           </a:xfrm>
         </p:spPr>
         <p:txBody>
           <a:bodyPr/>
           <a:lstStyle>
             <a:lvl1pPr marL="0" indent="0">
+              <a:lnSpc>
+                <a:spcPct val="113000"/>
+              </a:lnSpc>
+              <a:spcBef>
+                <a:spcPts val="0"/>
+              </a:spcBef>
+              <a:spcAft>
+                <a:spcPts val="1500"/>
+              </a:spcAft>
               <a:buNone/>
               <a:defRPr sz="1600"/>
             </a:lvl1pPr>
@@ -8179,14 +8731,27 @@
             <p:ph type="dt" sz="half" idx="10"/>
           </p:nvPr>
         </p:nvSpPr>
-        <p:spPr/>
+        <p:spPr>
+          <a:xfrm>
+            <a:off x="723900" y="6453386"/>
+            <a:ext cx="1204572" cy="404614"/>
+          </a:xfrm>
+        </p:spPr>
         <p:txBody>
           <a:bodyPr/>
-          <a:lstStyle/>
+          <a:lstStyle>
+            <a:lvl1pPr>
+              <a:defRPr>
+                <a:solidFill>
+                  <a:schemeClr val="tx2"/>
+                </a:solidFill>
+              </a:defRPr>
+            </a:lvl1pPr>
+          </a:lstStyle>
           <a:p>
             <a:fld id="{7BFE640B-402B-4F6B-8B07-52D13993B479}" type="datetimeFigureOut">
               <a:rPr lang="en-US" smtClean="0"/>
-              <a:t>1/1/2018</a:t>
+              <a:t>1/3/2018</a:t>
             </a:fld>
             <a:endParaRPr lang="en-US"/>
           </a:p>
@@ -8202,10 +8767,23 @@
             <p:ph type="ftr" sz="quarter" idx="11"/>
           </p:nvPr>
         </p:nvSpPr>
-        <p:spPr/>
+        <p:spPr>
+          <a:xfrm>
+            <a:off x="2205945" y="6453386"/>
+            <a:ext cx="2373675" cy="404614"/>
+          </a:xfrm>
+        </p:spPr>
         <p:txBody>
           <a:bodyPr/>
-          <a:lstStyle/>
+          <a:lstStyle>
+            <a:lvl1pPr>
+              <a:defRPr>
+                <a:solidFill>
+                  <a:schemeClr val="tx2"/>
+                </a:solidFill>
+              </a:defRPr>
+            </a:lvl1pPr>
+          </a:lstStyle>
           <a:p>
             <a:endParaRPr lang="en-US"/>
           </a:p>
@@ -8221,10 +8799,23 @@
             <p:ph type="sldNum" sz="quarter" idx="12"/>
           </p:nvPr>
         </p:nvSpPr>
-        <p:spPr/>
+        <p:spPr>
+          <a:xfrm>
+            <a:off x="9883140" y="6453386"/>
+            <a:ext cx="1596292" cy="404614"/>
+          </a:xfrm>
+        </p:spPr>
         <p:txBody>
           <a:bodyPr/>
-          <a:lstStyle/>
+          <a:lstStyle>
+            <a:lvl1pPr>
+              <a:defRPr>
+                <a:solidFill>
+                  <a:schemeClr val="tx2"/>
+                </a:solidFill>
+              </a:defRPr>
+            </a:lvl1pPr>
+          </a:lstStyle>
           <a:p>
             <a:fld id="{752B43C3-795E-46AE-9CA7-AA7C11A66C74}" type="slidenum">
               <a:rPr lang="en-US" smtClean="0"/>
@@ -8234,10 +8825,48 @@
           </a:p>
         </p:txBody>
       </p:sp>
+      <p:sp>
+        <p:nvSpPr>
+          <p:cNvPr id="9" name="Rectangle 8" title="Divider Bar"/>
+          <p:cNvSpPr/>
+          <p:nvPr/>
+        </p:nvSpPr>
+        <p:spPr>
+          <a:xfrm>
+            <a:off x="5303520" y="376"/>
+            <a:ext cx="228600" cy="6858000"/>
+          </a:xfrm>
+          <a:prstGeom prst="rect">
+            <a:avLst/>
+          </a:prstGeom>
+          <a:solidFill>
+            <a:schemeClr val="tx2"/>
+          </a:solidFill>
+          <a:ln>
+            <a:noFill/>
+          </a:ln>
+        </p:spPr>
+        <p:style>
+          <a:lnRef idx="2">
+            <a:schemeClr val="accent1">
+              <a:shade val="50000"/>
+            </a:schemeClr>
+          </a:lnRef>
+          <a:fillRef idx="1">
+            <a:schemeClr val="accent1"/>
+          </a:fillRef>
+          <a:effectRef idx="0">
+            <a:schemeClr val="accent1"/>
+          </a:effectRef>
+          <a:fontRef idx="minor">
+            <a:schemeClr val="lt1"/>
+          </a:fontRef>
+        </p:style>
+      </p:sp>
     </p:spTree>
     <p:extLst>
       <p:ext uri="{BB962C8B-B14F-4D97-AF65-F5344CB8AC3E}">
-        <p14:creationId xmlns:p14="http://schemas.microsoft.com/office/powerpoint/2010/main" val="2584547033"/>
+        <p14:creationId xmlns:p14="http://schemas.microsoft.com/office/powerpoint/2010/main" val="4114552235"/>
       </p:ext>
     </p:extLst>
   </p:cSld>
@@ -8248,7 +8877,7 @@
 </file>
 
 <file path=ppt/slideLayouts/slideLayout9.xml><?xml version="1.0" encoding="utf-8"?>
-<p:sldLayout xmlns:a="http://schemas.openxmlformats.org/drawingml/2006/main" xmlns:r="http://schemas.openxmlformats.org/officeDocument/2006/relationships" xmlns:p="http://schemas.openxmlformats.org/presentationml/2006/main" type="picTx" preserve="1">
+<p:sldLayout xmlns:a="http://schemas.openxmlformats.org/drawingml/2006/main" xmlns:r="http://schemas.openxmlformats.org/officeDocument/2006/relationships" xmlns:p="http://schemas.openxmlformats.org/presentationml/2006/main" showMasterSp="0" type="picTx" preserve="1">
   <p:cSld name="Picture with Caption">
     <p:spTree>
       <p:nvGrpSpPr>
@@ -8266,6 +8895,44 @@
       </p:grpSpPr>
       <p:sp>
         <p:nvSpPr>
+          <p:cNvPr id="8" name="Rectangle 7" title="Background Shape"/>
+          <p:cNvSpPr/>
+          <p:nvPr/>
+        </p:nvSpPr>
+        <p:spPr>
+          <a:xfrm>
+            <a:off x="0" y="376"/>
+            <a:ext cx="5303520" cy="6857624"/>
+          </a:xfrm>
+          <a:prstGeom prst="rect">
+            <a:avLst/>
+          </a:prstGeom>
+          <a:solidFill>
+            <a:schemeClr val="accent1"/>
+          </a:solidFill>
+          <a:ln>
+            <a:noFill/>
+          </a:ln>
+        </p:spPr>
+        <p:style>
+          <a:lnRef idx="2">
+            <a:schemeClr val="accent1">
+              <a:shade val="50000"/>
+            </a:schemeClr>
+          </a:lnRef>
+          <a:fillRef idx="1">
+            <a:schemeClr val="accent1"/>
+          </a:fillRef>
+          <a:effectRef idx="0">
+            <a:schemeClr val="accent1"/>
+          </a:effectRef>
+          <a:fontRef idx="minor">
+            <a:schemeClr val="lt1"/>
+          </a:fontRef>
+        </p:style>
+      </p:sp>
+      <p:sp>
+        <p:nvSpPr>
           <p:cNvPr id="2" name="Title 1"/>
           <p:cNvSpPr>
             <a:spLocks noGrp="1"/>
@@ -8276,15 +8943,20 @@
         </p:nvSpPr>
         <p:spPr>
           <a:xfrm>
-            <a:off x="839788" y="457200"/>
-            <a:ext cx="3932237" cy="1600200"/>
+            <a:off x="723900" y="685800"/>
+            <a:ext cx="3855720" cy="2157884"/>
           </a:xfrm>
         </p:spPr>
         <p:txBody>
-          <a:bodyPr anchor="b"/>
+          <a:bodyPr anchor="t">
+            <a:normAutofit/>
+          </a:bodyPr>
           <a:lstStyle>
             <a:lvl1pPr>
-              <a:defRPr sz="3200"/>
+              <a:lnSpc>
+                <a:spcPct val="84000"/>
+              </a:lnSpc>
+              <a:defRPr sz="4800" baseline="0"/>
             </a:lvl1pPr>
           </a:lstStyle>
           <a:p>
@@ -8292,7 +8964,7 @@
               <a:rPr lang="en-US"/>
               <a:t>Click to edit Master title style</a:t>
             </a:r>
-            <a:endParaRPr lang="en-US"/>
+            <a:endParaRPr lang="en-US" dirty="0"/>
           </a:p>
         </p:txBody>
       </p:sp>
@@ -8300,7 +8972,7 @@
         <p:nvSpPr>
           <p:cNvPr id="3" name="Picture Placeholder 2"/>
           <p:cNvSpPr>
-            <a:spLocks noGrp="1"/>
+            <a:spLocks noGrp="1" noChangeAspect="1"/>
           </p:cNvSpPr>
           <p:nvPr>
             <p:ph type="pic" idx="1"/>
@@ -8308,24 +8980,26 @@
         </p:nvSpPr>
         <p:spPr>
           <a:xfrm>
-            <a:off x="5183188" y="987425"/>
-            <a:ext cx="6172200" cy="4873625"/>
+            <a:off x="5532120" y="0"/>
+            <a:ext cx="6659880" cy="6857999"/>
           </a:xfrm>
         </p:spPr>
         <p:txBody>
-          <a:bodyPr/>
+          <a:bodyPr anchor="t">
+            <a:normAutofit/>
+          </a:bodyPr>
           <a:lstStyle>
             <a:lvl1pPr marL="0" indent="0">
               <a:buNone/>
-              <a:defRPr sz="3200"/>
+              <a:defRPr sz="2000"/>
             </a:lvl1pPr>
             <a:lvl2pPr marL="457200" indent="0">
               <a:buNone/>
-              <a:defRPr sz="2800"/>
+              <a:defRPr sz="2000"/>
             </a:lvl2pPr>
             <a:lvl3pPr marL="914400" indent="0">
               <a:buNone/>
-              <a:defRPr sz="2400"/>
+              <a:defRPr sz="2000"/>
             </a:lvl3pPr>
             <a:lvl4pPr marL="1371600" indent="0">
               <a:buNone/>
@@ -8353,7 +9027,11 @@
             </a:lvl9pPr>
           </a:lstStyle>
           <a:p>
-            <a:endParaRPr lang="en-US"/>
+            <a:r>
+              <a:rPr lang="en-US"/>
+              <a:t>Click icon to add picture</a:t>
+            </a:r>
+            <a:endParaRPr lang="en-US" dirty="0"/>
           </a:p>
         </p:txBody>
       </p:sp>
@@ -8369,14 +9047,23 @@
         </p:nvSpPr>
         <p:spPr>
           <a:xfrm>
-            <a:off x="839788" y="2057400"/>
-            <a:ext cx="3932237" cy="3811588"/>
+            <a:off x="723900" y="2855968"/>
+            <a:ext cx="3855720" cy="3011432"/>
           </a:xfrm>
         </p:spPr>
         <p:txBody>
           <a:bodyPr/>
           <a:lstStyle>
             <a:lvl1pPr marL="0" indent="0">
+              <a:lnSpc>
+                <a:spcPct val="113000"/>
+              </a:lnSpc>
+              <a:spcBef>
+                <a:spcPts val="0"/>
+              </a:spcBef>
+              <a:spcAft>
+                <a:spcPts val="1500"/>
+              </a:spcAft>
               <a:buNone/>
               <a:defRPr sz="1600"/>
             </a:lvl1pPr>
@@ -8432,14 +9119,27 @@
             <p:ph type="dt" sz="half" idx="10"/>
           </p:nvPr>
         </p:nvSpPr>
-        <p:spPr/>
+        <p:spPr>
+          <a:xfrm>
+            <a:off x="723900" y="6453386"/>
+            <a:ext cx="1204572" cy="404614"/>
+          </a:xfrm>
+        </p:spPr>
         <p:txBody>
           <a:bodyPr/>
-          <a:lstStyle/>
+          <a:lstStyle>
+            <a:lvl1pPr>
+              <a:defRPr>
+                <a:solidFill>
+                  <a:schemeClr val="tx2"/>
+                </a:solidFill>
+              </a:defRPr>
+            </a:lvl1pPr>
+          </a:lstStyle>
           <a:p>
             <a:fld id="{7BFE640B-402B-4F6B-8B07-52D13993B479}" type="datetimeFigureOut">
               <a:rPr lang="en-US" smtClean="0"/>
-              <a:t>1/1/2018</a:t>
+              <a:t>1/3/2018</a:t>
             </a:fld>
             <a:endParaRPr lang="en-US"/>
           </a:p>
@@ -8455,10 +9155,23 @@
             <p:ph type="ftr" sz="quarter" idx="11"/>
           </p:nvPr>
         </p:nvSpPr>
-        <p:spPr/>
+        <p:spPr>
+          <a:xfrm>
+            <a:off x="2205945" y="6453386"/>
+            <a:ext cx="2373675" cy="404614"/>
+          </a:xfrm>
+        </p:spPr>
         <p:txBody>
           <a:bodyPr/>
-          <a:lstStyle/>
+          <a:lstStyle>
+            <a:lvl1pPr>
+              <a:defRPr>
+                <a:solidFill>
+                  <a:schemeClr val="tx2"/>
+                </a:solidFill>
+              </a:defRPr>
+            </a:lvl1pPr>
+          </a:lstStyle>
           <a:p>
             <a:endParaRPr lang="en-US"/>
           </a:p>
@@ -8474,10 +9187,23 @@
             <p:ph type="sldNum" sz="quarter" idx="12"/>
           </p:nvPr>
         </p:nvSpPr>
-        <p:spPr/>
+        <p:spPr>
+          <a:xfrm>
+            <a:off x="9883140" y="6453386"/>
+            <a:ext cx="1596292" cy="404614"/>
+          </a:xfrm>
+        </p:spPr>
         <p:txBody>
           <a:bodyPr/>
-          <a:lstStyle/>
+          <a:lstStyle>
+            <a:lvl1pPr>
+              <a:defRPr>
+                <a:solidFill>
+                  <a:schemeClr val="tx2"/>
+                </a:solidFill>
+              </a:defRPr>
+            </a:lvl1pPr>
+          </a:lstStyle>
           <a:p>
             <a:fld id="{752B43C3-795E-46AE-9CA7-AA7C11A66C74}" type="slidenum">
               <a:rPr lang="en-US" smtClean="0"/>
@@ -8487,10 +9213,48 @@
           </a:p>
         </p:txBody>
       </p:sp>
+      <p:sp>
+        <p:nvSpPr>
+          <p:cNvPr id="9" name="Rectangle 8" title="Divider Bar"/>
+          <p:cNvSpPr/>
+          <p:nvPr/>
+        </p:nvSpPr>
+        <p:spPr>
+          <a:xfrm>
+            <a:off x="5303520" y="376"/>
+            <a:ext cx="228600" cy="6858000"/>
+          </a:xfrm>
+          <a:prstGeom prst="rect">
+            <a:avLst/>
+          </a:prstGeom>
+          <a:solidFill>
+            <a:schemeClr val="tx2"/>
+          </a:solidFill>
+          <a:ln>
+            <a:noFill/>
+          </a:ln>
+        </p:spPr>
+        <p:style>
+          <a:lnRef idx="2">
+            <a:schemeClr val="accent1">
+              <a:shade val="50000"/>
+            </a:schemeClr>
+          </a:lnRef>
+          <a:fillRef idx="1">
+            <a:schemeClr val="accent1"/>
+          </a:fillRef>
+          <a:effectRef idx="0">
+            <a:schemeClr val="accent1"/>
+          </a:effectRef>
+          <a:fontRef idx="minor">
+            <a:schemeClr val="lt1"/>
+          </a:fontRef>
+        </p:style>
+      </p:sp>
     </p:spTree>
     <p:extLst>
       <p:ext uri="{BB962C8B-B14F-4D97-AF65-F5344CB8AC3E}">
-        <p14:creationId xmlns:p14="http://schemas.microsoft.com/office/powerpoint/2010/main" val="2583401762"/>
+        <p14:creationId xmlns:p14="http://schemas.microsoft.com/office/powerpoint/2010/main" val="964139041"/>
       </p:ext>
     </p:extLst>
   </p:cSld>
@@ -8504,9 +9268,12 @@
 <p:sldMaster xmlns:a="http://schemas.openxmlformats.org/drawingml/2006/main" xmlns:r="http://schemas.openxmlformats.org/officeDocument/2006/relationships" xmlns:p="http://schemas.openxmlformats.org/presentationml/2006/main">
   <p:cSld>
     <p:bg>
-      <p:bgRef idx="1001">
-        <a:schemeClr val="bg1"/>
-      </p:bgRef>
+      <p:bgPr>
+        <a:solidFill>
+          <a:schemeClr val="bg2"/>
+        </a:solidFill>
+        <a:effectLst/>
+      </p:bgPr>
     </p:bg>
     <p:spTree>
       <p:nvGrpSpPr>
@@ -8534,15 +9301,15 @@
         </p:nvSpPr>
         <p:spPr>
           <a:xfrm>
-            <a:off x="838200" y="365125"/>
-            <a:ext cx="10515600" cy="1325563"/>
+            <a:off x="1371600" y="685800"/>
+            <a:ext cx="9601200" cy="1485900"/>
           </a:xfrm>
           <a:prstGeom prst="rect">
             <a:avLst/>
           </a:prstGeom>
         </p:spPr>
         <p:txBody>
-          <a:bodyPr vert="horz" lIns="91440" tIns="45720" rIns="91440" bIns="45720" rtlCol="0" anchor="ctr">
+          <a:bodyPr vert="horz" lIns="91440" tIns="45720" rIns="91440" bIns="45720" rtlCol="0" anchor="t">
             <a:normAutofit/>
           </a:bodyPr>
           <a:lstStyle/>
@@ -8551,7 +9318,7 @@
               <a:rPr lang="en-US"/>
               <a:t>Click to edit Master title style</a:t>
             </a:r>
-            <a:endParaRPr lang="en-US"/>
+            <a:endParaRPr lang="en-US" dirty="0"/>
           </a:p>
         </p:txBody>
       </p:sp>
@@ -8567,8 +9334,8 @@
         </p:nvSpPr>
         <p:spPr>
           <a:xfrm>
-            <a:off x="838200" y="1825625"/>
-            <a:ext cx="10515600" cy="4351338"/>
+            <a:off x="1371600" y="2286000"/>
+            <a:ext cx="9601200" cy="3581400"/>
           </a:xfrm>
           <a:prstGeom prst="rect">
             <a:avLst/>
@@ -8613,7 +9380,7 @@
               <a:rPr lang="en-US"/>
               <a:t>Fifth level</a:t>
             </a:r>
-            <a:endParaRPr lang="en-US"/>
+            <a:endParaRPr lang="en-US" dirty="0"/>
           </a:p>
         </p:txBody>
       </p:sp>
@@ -8629,8 +9396,8 @@
         </p:nvSpPr>
         <p:spPr>
           <a:xfrm>
-            <a:off x="838200" y="6356350"/>
-            <a:ext cx="2743200" cy="365125"/>
+            <a:off x="1390650" y="6453386"/>
+            <a:ext cx="1204572" cy="404614"/>
           </a:xfrm>
           <a:prstGeom prst="rect">
             <a:avLst/>
@@ -8640,11 +9407,9 @@
           <a:bodyPr vert="horz" lIns="91440" tIns="45720" rIns="91440" bIns="45720" rtlCol="0" anchor="ctr"/>
           <a:lstStyle>
             <a:lvl1pPr algn="l">
-              <a:defRPr sz="1200">
+              <a:defRPr sz="1200" baseline="0">
                 <a:solidFill>
-                  <a:schemeClr val="tx1">
-                    <a:tint val="75000"/>
-                  </a:schemeClr>
+                  <a:schemeClr val="tx2"/>
                 </a:solidFill>
               </a:defRPr>
             </a:lvl1pPr>
@@ -8652,7 +9417,7 @@
           <a:p>
             <a:fld id="{7BFE640B-402B-4F6B-8B07-52D13993B479}" type="datetimeFigureOut">
               <a:rPr lang="en-US" smtClean="0"/>
-              <a:t>1/1/2018</a:t>
+              <a:t>1/3/2018</a:t>
             </a:fld>
             <a:endParaRPr lang="en-US"/>
           </a:p>
@@ -8670,8 +9435,8 @@
         </p:nvSpPr>
         <p:spPr>
           <a:xfrm>
-            <a:off x="4038600" y="6356350"/>
-            <a:ext cx="4114800" cy="365125"/>
+            <a:off x="2893564" y="6453386"/>
+            <a:ext cx="6280830" cy="404614"/>
           </a:xfrm>
           <a:prstGeom prst="rect">
             <a:avLst/>
@@ -8680,12 +9445,10 @@
         <p:txBody>
           <a:bodyPr vert="horz" lIns="91440" tIns="45720" rIns="91440" bIns="45720" rtlCol="0" anchor="ctr"/>
           <a:lstStyle>
-            <a:lvl1pPr algn="ctr">
-              <a:defRPr sz="1200">
+            <a:lvl1pPr algn="l">
+              <a:defRPr sz="1200" baseline="0">
                 <a:solidFill>
-                  <a:schemeClr val="tx1">
-                    <a:tint val="75000"/>
-                  </a:schemeClr>
+                  <a:schemeClr val="tx2"/>
                 </a:solidFill>
               </a:defRPr>
             </a:lvl1pPr>
@@ -8707,8 +9470,8 @@
         </p:nvSpPr>
         <p:spPr>
           <a:xfrm>
-            <a:off x="8610600" y="6356350"/>
-            <a:ext cx="2743200" cy="365125"/>
+            <a:off x="9472736" y="6453386"/>
+            <a:ext cx="1596292" cy="404614"/>
           </a:xfrm>
           <a:prstGeom prst="rect">
             <a:avLst/>
@@ -8718,11 +9481,9 @@
           <a:bodyPr vert="horz" lIns="91440" tIns="45720" rIns="91440" bIns="45720" rtlCol="0" anchor="ctr"/>
           <a:lstStyle>
             <a:lvl1pPr algn="r">
-              <a:defRPr sz="1200">
+              <a:defRPr sz="1200" baseline="0">
                 <a:solidFill>
-                  <a:schemeClr val="tx1">
-                    <a:tint val="75000"/>
-                  </a:schemeClr>
+                  <a:schemeClr val="tx2"/>
                 </a:solidFill>
               </a:defRPr>
             </a:lvl1pPr>
@@ -8736,40 +9497,78 @@
           </a:p>
         </p:txBody>
       </p:sp>
+      <p:sp>
+        <p:nvSpPr>
+          <p:cNvPr id="9" name="Rectangle 8" title="Side bar"/>
+          <p:cNvSpPr/>
+          <p:nvPr/>
+        </p:nvSpPr>
+        <p:spPr>
+          <a:xfrm>
+            <a:off x="478095" y="376"/>
+            <a:ext cx="228600" cy="6858000"/>
+          </a:xfrm>
+          <a:prstGeom prst="rect">
+            <a:avLst/>
+          </a:prstGeom>
+          <a:solidFill>
+            <a:schemeClr val="tx2"/>
+          </a:solidFill>
+          <a:ln>
+            <a:noFill/>
+          </a:ln>
+        </p:spPr>
+        <p:style>
+          <a:lnRef idx="2">
+            <a:schemeClr val="accent1">
+              <a:shade val="50000"/>
+            </a:schemeClr>
+          </a:lnRef>
+          <a:fillRef idx="1">
+            <a:schemeClr val="accent1"/>
+          </a:fillRef>
+          <a:effectRef idx="0">
+            <a:schemeClr val="accent1"/>
+          </a:effectRef>
+          <a:fontRef idx="minor">
+            <a:schemeClr val="lt1"/>
+          </a:fontRef>
+        </p:style>
+      </p:sp>
     </p:spTree>
     <p:extLst>
       <p:ext uri="{BB962C8B-B14F-4D97-AF65-F5344CB8AC3E}">
-        <p14:creationId xmlns:p14="http://schemas.microsoft.com/office/powerpoint/2010/main" val="3153190854"/>
+        <p14:creationId xmlns:p14="http://schemas.microsoft.com/office/powerpoint/2010/main" val="236755631"/>
       </p:ext>
     </p:extLst>
   </p:cSld>
   <p:clrMap bg1="lt1" tx1="dk1" bg2="lt2" tx2="dk2" accent1="accent1" accent2="accent2" accent3="accent3" accent4="accent4" accent5="accent5" accent6="accent6" hlink="hlink" folHlink="folHlink"/>
   <p:sldLayoutIdLst>
-    <p:sldLayoutId id="2147483679" r:id="rId1"/>
-    <p:sldLayoutId id="2147483680" r:id="rId2"/>
-    <p:sldLayoutId id="2147483681" r:id="rId3"/>
-    <p:sldLayoutId id="2147483682" r:id="rId4"/>
-    <p:sldLayoutId id="2147483683" r:id="rId5"/>
-    <p:sldLayoutId id="2147483684" r:id="rId6"/>
-    <p:sldLayoutId id="2147483685" r:id="rId7"/>
-    <p:sldLayoutId id="2147483686" r:id="rId8"/>
-    <p:sldLayoutId id="2147483687" r:id="rId9"/>
-    <p:sldLayoutId id="2147483688" r:id="rId10"/>
-    <p:sldLayoutId id="2147483689" r:id="rId11"/>
+    <p:sldLayoutId id="2147483709" r:id="rId1"/>
+    <p:sldLayoutId id="2147483710" r:id="rId2"/>
+    <p:sldLayoutId id="2147483711" r:id="rId3"/>
+    <p:sldLayoutId id="2147483712" r:id="rId4"/>
+    <p:sldLayoutId id="2147483713" r:id="rId5"/>
+    <p:sldLayoutId id="2147483714" r:id="rId6"/>
+    <p:sldLayoutId id="2147483715" r:id="rId7"/>
+    <p:sldLayoutId id="2147483716" r:id="rId8"/>
+    <p:sldLayoutId id="2147483717" r:id="rId9"/>
+    <p:sldLayoutId id="2147483718" r:id="rId10"/>
+    <p:sldLayoutId id="2147483719" r:id="rId11"/>
   </p:sldLayoutIdLst>
   <p:txStyles>
     <p:titleStyle>
       <a:lvl1pPr algn="l" defTabSz="914400" rtl="0" eaLnBrk="1" latinLnBrk="0" hangingPunct="1">
         <a:lnSpc>
-          <a:spcPct val="90000"/>
+          <a:spcPct val="89000"/>
         </a:lnSpc>
         <a:spcBef>
           <a:spcPct val="0"/>
         </a:spcBef>
         <a:buNone/>
-        <a:defRPr sz="4400" kern="1200">
+        <a:defRPr sz="4400" kern="1200" baseline="0">
           <a:solidFill>
-            <a:schemeClr val="tx1"/>
+            <a:schemeClr val="tx2"/>
           </a:solidFill>
           <a:latin typeface="+mj-lt"/>
           <a:ea typeface="+mj-ea"/>
@@ -8778,162 +9577,189 @@
       </a:lvl1pPr>
     </p:titleStyle>
     <p:bodyStyle>
-      <a:lvl1pPr marL="228600" indent="-228600" algn="l" defTabSz="914400" rtl="0" eaLnBrk="1" latinLnBrk="0" hangingPunct="1">
+      <a:lvl1pPr marL="384048" indent="-384048" algn="l" defTabSz="914400" rtl="0" eaLnBrk="1" latinLnBrk="0" hangingPunct="1">
         <a:lnSpc>
-          <a:spcPct val="90000"/>
+          <a:spcPct val="94000"/>
         </a:lnSpc>
         <a:spcBef>
           <a:spcPts val="1000"/>
         </a:spcBef>
-        <a:buFont typeface="Arial" panose="020B0604020202020204" pitchFamily="34" charset="0"/>
-        <a:buChar char="•"/>
-        <a:defRPr sz="2800" kern="1200">
+        <a:spcAft>
+          <a:spcPts val="200"/>
+        </a:spcAft>
+        <a:buFont typeface="Franklin Gothic Book" panose="020B0503020102020204" pitchFamily="34" charset="0"/>
+        <a:buChar char="■"/>
+        <a:defRPr sz="2000" kern="1200" baseline="0">
           <a:solidFill>
-            <a:schemeClr val="tx1"/>
+            <a:schemeClr val="tx2"/>
           </a:solidFill>
           <a:latin typeface="+mn-lt"/>
           <a:ea typeface="+mn-ea"/>
           <a:cs typeface="+mn-cs"/>
         </a:defRPr>
       </a:lvl1pPr>
-      <a:lvl2pPr marL="685800" indent="-228600" algn="l" defTabSz="914400" rtl="0" eaLnBrk="1" latinLnBrk="0" hangingPunct="1">
+      <a:lvl2pPr marL="914400" indent="-384048" algn="l" defTabSz="914400" rtl="0" eaLnBrk="1" latinLnBrk="0" hangingPunct="1">
         <a:lnSpc>
-          <a:spcPct val="90000"/>
+          <a:spcPct val="94000"/>
         </a:lnSpc>
         <a:spcBef>
           <a:spcPts val="500"/>
         </a:spcBef>
-        <a:buFont typeface="Arial" panose="020B0604020202020204" pitchFamily="34" charset="0"/>
-        <a:buChar char="•"/>
-        <a:defRPr sz="2400" kern="1200">
+        <a:spcAft>
+          <a:spcPts val="200"/>
+        </a:spcAft>
+        <a:buFont typeface="Franklin Gothic Book" panose="020B0503020102020204" pitchFamily="34" charset="0"/>
+        <a:buChar char="–"/>
+        <a:defRPr sz="2000" i="1" kern="1200" baseline="0">
           <a:solidFill>
-            <a:schemeClr val="tx1"/>
+            <a:schemeClr val="tx2"/>
           </a:solidFill>
           <a:latin typeface="+mn-lt"/>
           <a:ea typeface="+mn-ea"/>
           <a:cs typeface="+mn-cs"/>
         </a:defRPr>
       </a:lvl2pPr>
-      <a:lvl3pPr marL="1143000" indent="-228600" algn="l" defTabSz="914400" rtl="0" eaLnBrk="1" latinLnBrk="0" hangingPunct="1">
+      <a:lvl3pPr marL="1371600" indent="-384048" algn="l" defTabSz="914400" rtl="0" eaLnBrk="1" latinLnBrk="0" hangingPunct="1">
         <a:lnSpc>
-          <a:spcPct val="90000"/>
+          <a:spcPct val="94000"/>
         </a:lnSpc>
         <a:spcBef>
           <a:spcPts val="500"/>
         </a:spcBef>
-        <a:buFont typeface="Arial" panose="020B0604020202020204" pitchFamily="34" charset="0"/>
-        <a:buChar char="•"/>
-        <a:defRPr sz="2000" kern="1200">
+        <a:spcAft>
+          <a:spcPts val="200"/>
+        </a:spcAft>
+        <a:buFont typeface="Franklin Gothic Book" panose="020B0503020102020204" pitchFamily="34" charset="0"/>
+        <a:buChar char="■"/>
+        <a:defRPr sz="1800" kern="1200" baseline="0">
           <a:solidFill>
-            <a:schemeClr val="tx1"/>
+            <a:schemeClr val="tx2"/>
           </a:solidFill>
           <a:latin typeface="+mn-lt"/>
           <a:ea typeface="+mn-ea"/>
           <a:cs typeface="+mn-cs"/>
         </a:defRPr>
       </a:lvl3pPr>
-      <a:lvl4pPr marL="1600200" indent="-228600" algn="l" defTabSz="914400" rtl="0" eaLnBrk="1" latinLnBrk="0" hangingPunct="1">
+      <a:lvl4pPr marL="1828800" indent="-384048" algn="l" defTabSz="914400" rtl="0" eaLnBrk="1" latinLnBrk="0" hangingPunct="1">
         <a:lnSpc>
-          <a:spcPct val="90000"/>
+          <a:spcPct val="94000"/>
         </a:lnSpc>
         <a:spcBef>
           <a:spcPts val="500"/>
         </a:spcBef>
-        <a:buFont typeface="Arial" panose="020B0604020202020204" pitchFamily="34" charset="0"/>
-        <a:buChar char="•"/>
-        <a:defRPr sz="1800" kern="1200">
+        <a:spcAft>
+          <a:spcPts val="200"/>
+        </a:spcAft>
+        <a:buFont typeface="Franklin Gothic Book" panose="020B0503020102020204" pitchFamily="34" charset="0"/>
+        <a:buChar char="–"/>
+        <a:defRPr sz="1800" i="1" kern="1200" baseline="0">
           <a:solidFill>
-            <a:schemeClr val="tx1"/>
+            <a:schemeClr val="tx2"/>
           </a:solidFill>
           <a:latin typeface="+mn-lt"/>
           <a:ea typeface="+mn-ea"/>
           <a:cs typeface="+mn-cs"/>
         </a:defRPr>
       </a:lvl4pPr>
-      <a:lvl5pPr marL="2057400" indent="-228600" algn="l" defTabSz="914400" rtl="0" eaLnBrk="1" latinLnBrk="0" hangingPunct="1">
+      <a:lvl5pPr marL="2286000" indent="-384048" algn="l" defTabSz="914400" rtl="0" eaLnBrk="1" latinLnBrk="0" hangingPunct="1">
         <a:lnSpc>
-          <a:spcPct val="90000"/>
+          <a:spcPct val="94000"/>
         </a:lnSpc>
         <a:spcBef>
           <a:spcPts val="500"/>
         </a:spcBef>
-        <a:buFont typeface="Arial" panose="020B0604020202020204" pitchFamily="34" charset="0"/>
-        <a:buChar char="•"/>
-        <a:defRPr sz="1800" kern="1200">
+        <a:spcAft>
+          <a:spcPts val="200"/>
+        </a:spcAft>
+        <a:buFont typeface="Franklin Gothic Book" panose="020B0503020102020204" pitchFamily="34" charset="0"/>
+        <a:buChar char="■"/>
+        <a:defRPr sz="1600" kern="1200" baseline="0">
           <a:solidFill>
-            <a:schemeClr val="tx1"/>
+            <a:schemeClr val="tx2"/>
           </a:solidFill>
           <a:latin typeface="+mn-lt"/>
           <a:ea typeface="+mn-ea"/>
           <a:cs typeface="+mn-cs"/>
         </a:defRPr>
       </a:lvl5pPr>
-      <a:lvl6pPr marL="2514600" indent="-228600" algn="l" defTabSz="914400" rtl="0" eaLnBrk="1" latinLnBrk="0" hangingPunct="1">
+      <a:lvl6pPr marL="2743200" indent="-384048" algn="l" defTabSz="914400" rtl="0" eaLnBrk="1" latinLnBrk="0" hangingPunct="1">
         <a:lnSpc>
-          <a:spcPct val="90000"/>
+          <a:spcPct val="94000"/>
         </a:lnSpc>
         <a:spcBef>
           <a:spcPts val="500"/>
         </a:spcBef>
-        <a:buFont typeface="Arial" panose="020B0604020202020204" pitchFamily="34" charset="0"/>
-        <a:buChar char="•"/>
-        <a:defRPr sz="1800" kern="1200">
+        <a:spcAft>
+          <a:spcPts val="200"/>
+        </a:spcAft>
+        <a:buFont typeface="Franklin Gothic Book" panose="020B0503020102020204" pitchFamily="34" charset="0"/>
+        <a:buChar char="–"/>
+        <a:defRPr sz="1600" i="1" kern="1200" baseline="0">
           <a:solidFill>
-            <a:schemeClr val="tx1"/>
+            <a:schemeClr val="tx2"/>
           </a:solidFill>
           <a:latin typeface="+mn-lt"/>
           <a:ea typeface="+mn-ea"/>
           <a:cs typeface="+mn-cs"/>
         </a:defRPr>
       </a:lvl6pPr>
-      <a:lvl7pPr marL="2971800" indent="-228600" algn="l" defTabSz="914400" rtl="0" eaLnBrk="1" latinLnBrk="0" hangingPunct="1">
+      <a:lvl7pPr marL="3200400" indent="-384048" algn="l" defTabSz="914400" rtl="0" eaLnBrk="1" latinLnBrk="0" hangingPunct="1">
         <a:lnSpc>
-          <a:spcPct val="90000"/>
+          <a:spcPct val="94000"/>
         </a:lnSpc>
         <a:spcBef>
           <a:spcPts val="500"/>
         </a:spcBef>
-        <a:buFont typeface="Arial" panose="020B0604020202020204" pitchFamily="34" charset="0"/>
-        <a:buChar char="•"/>
-        <a:defRPr sz="1800" kern="1200">
+        <a:spcAft>
+          <a:spcPts val="200"/>
+        </a:spcAft>
+        <a:buFont typeface="Franklin Gothic Book" panose="020B0503020102020204" pitchFamily="34" charset="0"/>
+        <a:buChar char="■"/>
+        <a:defRPr sz="1400" kern="1200" baseline="0">
           <a:solidFill>
-            <a:schemeClr val="tx1"/>
+            <a:schemeClr val="tx2"/>
           </a:solidFill>
           <a:latin typeface="+mn-lt"/>
           <a:ea typeface="+mn-ea"/>
           <a:cs typeface="+mn-cs"/>
         </a:defRPr>
       </a:lvl7pPr>
-      <a:lvl8pPr marL="3429000" indent="-228600" algn="l" defTabSz="914400" rtl="0" eaLnBrk="1" latinLnBrk="0" hangingPunct="1">
+      <a:lvl8pPr marL="3657600" indent="-384048" algn="l" defTabSz="914400" rtl="0" eaLnBrk="1" latinLnBrk="0" hangingPunct="1">
         <a:lnSpc>
-          <a:spcPct val="90000"/>
+          <a:spcPct val="94000"/>
         </a:lnSpc>
         <a:spcBef>
           <a:spcPts val="500"/>
         </a:spcBef>
-        <a:buFont typeface="Arial" panose="020B0604020202020204" pitchFamily="34" charset="0"/>
-        <a:buChar char="•"/>
-        <a:defRPr sz="1800" kern="1200">
+        <a:spcAft>
+          <a:spcPts val="200"/>
+        </a:spcAft>
+        <a:buFont typeface="Franklin Gothic Book" panose="020B0503020102020204" pitchFamily="34" charset="0"/>
+        <a:buChar char="–"/>
+        <a:defRPr sz="1400" i="1" kern="1200" baseline="0">
           <a:solidFill>
-            <a:schemeClr val="tx1"/>
+            <a:schemeClr val="tx2"/>
           </a:solidFill>
           <a:latin typeface="+mn-lt"/>
           <a:ea typeface="+mn-ea"/>
           <a:cs typeface="+mn-cs"/>
         </a:defRPr>
       </a:lvl8pPr>
-      <a:lvl9pPr marL="3886200" indent="-228600" algn="l" defTabSz="914400" rtl="0" eaLnBrk="1" latinLnBrk="0" hangingPunct="1">
+      <a:lvl9pPr marL="4114800" indent="-384048" algn="l" defTabSz="914400" rtl="0" eaLnBrk="1" latinLnBrk="0" hangingPunct="1">
         <a:lnSpc>
-          <a:spcPct val="90000"/>
+          <a:spcPct val="94000"/>
         </a:lnSpc>
         <a:spcBef>
           <a:spcPts val="500"/>
         </a:spcBef>
-        <a:buFont typeface="Arial" panose="020B0604020202020204" pitchFamily="34" charset="0"/>
-        <a:buChar char="•"/>
-        <a:defRPr sz="1800" kern="1200">
+        <a:spcAft>
+          <a:spcPts val="200"/>
+        </a:spcAft>
+        <a:buFont typeface="Franklin Gothic Book" panose="020B0503020102020204" pitchFamily="34" charset="0"/>
+        <a:buChar char="■"/>
+        <a:defRPr sz="1400" kern="1200" baseline="0">
           <a:solidFill>
-            <a:schemeClr val="tx1"/>
+            <a:schemeClr val="tx2"/>
           </a:solidFill>
           <a:latin typeface="+mn-lt"/>
           <a:ea typeface="+mn-ea"/>
@@ -9037,6 +9863,52 @@
       </a:lvl9pPr>
     </p:otherStyle>
   </p:txStyles>
+  <p:extLst mod="1">
+    <p:ext uri="{27BBF7A9-308A-43DC-89C8-2F10F3537804}">
+      <p15:sldGuideLst xmlns:p15="http://schemas.microsoft.com/office/powerpoint/2012/main">
+        <p15:guide id="3" orient="horz" pos="1368">
+          <p15:clr>
+            <a:srgbClr val="F26B43"/>
+          </p15:clr>
+        </p15:guide>
+        <p15:guide id="4" orient="horz" pos="1440">
+          <p15:clr>
+            <a:srgbClr val="F26B43"/>
+          </p15:clr>
+        </p15:guide>
+        <p15:guide id="6" orient="horz" pos="3696">
+          <p15:clr>
+            <a:srgbClr val="F26B43"/>
+          </p15:clr>
+        </p15:guide>
+        <p15:guide id="7" orient="horz" pos="432">
+          <p15:clr>
+            <a:srgbClr val="F26B43"/>
+          </p15:clr>
+        </p15:guide>
+        <p15:guide id="8" orient="horz" pos="1512">
+          <p15:clr>
+            <a:srgbClr val="F26B43"/>
+          </p15:clr>
+        </p15:guide>
+        <p15:guide id="9" pos="6912">
+          <p15:clr>
+            <a:srgbClr val="F26B43"/>
+          </p15:clr>
+        </p15:guide>
+        <p15:guide id="10" pos="936">
+          <p15:clr>
+            <a:srgbClr val="F26B43"/>
+          </p15:clr>
+        </p15:guide>
+        <p15:guide id="11" pos="864">
+          <p15:clr>
+            <a:srgbClr val="F26B43"/>
+          </p15:clr>
+        </p15:guide>
+      </p15:sldGuideLst>
+    </p:ext>
+  </p:extLst>
 </p:sldMaster>
 </file>
 
@@ -9096,8 +9968,8 @@
         </p:nvSpPr>
         <p:spPr>
           <a:xfrm>
-            <a:off x="1524000" y="2757948"/>
-            <a:ext cx="7300456" cy="2499852"/>
+            <a:off x="1524000" y="2895600"/>
+            <a:ext cx="7300456" cy="2362200"/>
           </a:xfrm>
         </p:spPr>
         <p:txBody>
@@ -9118,7 +9990,7 @@
           <a:p>
             <a:r>
               <a:rPr lang="en-US" dirty="0"/>
-              <a:t>Submitted By: Krishna Gopal Goswami</a:t>
+              <a:t>		Submitted By: Krishna Gopal Goswami</a:t>
             </a:r>
           </a:p>
         </p:txBody>
@@ -9247,11 +10119,7 @@
             </a:r>
             <a:r>
               <a:rPr lang="en-US" sz="2400" dirty="0"/>
-              <a:t> </a:t>
-            </a:r>
-            <a:r>
-              <a:rPr lang="en-US" sz="2400" dirty="0"/>
-              <a:t>The missing values in </a:t>
+              <a:t> The missing values in </a:t>
             </a:r>
             <a:r>
               <a:rPr lang="en-US" sz="2400" dirty="0" err="1"/>
@@ -9277,7 +10145,6 @@
               <a:rPr lang="en-US" sz="2400" dirty="0"/>
               <a:t>=0.</a:t>
             </a:r>
-            <a:endParaRPr lang="en-US" sz="2400" dirty="0"/>
           </a:p>
           <a:p>
             <a:pPr marL="0" indent="0">
@@ -10630,11 +11497,7 @@
             </a:r>
             <a:r>
               <a:rPr lang="en-US" sz="2400" dirty="0"/>
-              <a:t> </a:t>
-            </a:r>
-            <a:r>
-              <a:rPr lang="en-US" sz="2400" dirty="0"/>
-              <a:t>The missing values in </a:t>
+              <a:t> The missing values in </a:t>
             </a:r>
             <a:r>
               <a:rPr lang="en-US" sz="2400" dirty="0" err="1"/>
@@ -10660,7 +11523,6 @@
               <a:rPr lang="en-US" sz="2400" dirty="0"/>
               <a:t>=0.</a:t>
             </a:r>
-            <a:endParaRPr lang="en-US" sz="2400" dirty="0"/>
           </a:p>
           <a:p>
             <a:pPr marL="0" indent="0">
@@ -11355,7 +12217,7 @@
           <a:p>
             <a:r>
               <a:rPr lang="en-US" dirty="0"/>
-              <a:t>Data Cleaning (Remove Outliers)</a:t>
+              <a:t>Data Cleaning (Remove Outliers) Contd.</a:t>
             </a:r>
           </a:p>
         </p:txBody>
@@ -11886,7 +12748,9 @@
         </p:nvSpPr>
         <p:spPr/>
         <p:txBody>
-          <a:bodyPr/>
+          <a:bodyPr>
+            <a:normAutofit/>
+          </a:bodyPr>
           <a:lstStyle/>
           <a:p>
             <a:r>
@@ -11952,13 +12816,13 @@
           <p:nvPr>
             <p:extLst>
               <p:ext uri="{D42A27DB-BD31-4B8C-83A1-F6EECF244321}">
-                <p14:modId xmlns:p14="http://schemas.microsoft.com/office/powerpoint/2010/main" val="266844451"/>
+                <p14:modId xmlns:p14="http://schemas.microsoft.com/office/powerpoint/2010/main" val="3414706935"/>
               </p:ext>
             </p:extLst>
           </p:nvPr>
         </p:nvGraphicFramePr>
         <p:xfrm>
-          <a:off x="1268362" y="2595716"/>
+          <a:off x="1268362" y="3166960"/>
           <a:ext cx="5619134" cy="1165125"/>
         </p:xfrm>
         <a:graphic>
@@ -13233,7 +14097,7 @@
         </p:blipFill>
         <p:spPr>
           <a:xfrm>
-            <a:off x="1268362" y="5327344"/>
+            <a:off x="1268362" y="5799293"/>
             <a:ext cx="8819534" cy="849619"/>
           </a:xfrm>
           <a:prstGeom prst="rect">
@@ -13313,7 +14177,9 @@
         </p:nvSpPr>
         <p:spPr/>
         <p:txBody>
-          <a:bodyPr/>
+          <a:bodyPr>
+            <a:normAutofit fontScale="85000" lnSpcReduction="20000"/>
+          </a:bodyPr>
           <a:lstStyle/>
           <a:p>
             <a:r>
@@ -14051,7 +14917,7 @@
         <p:spPr/>
         <p:txBody>
           <a:bodyPr>
-            <a:normAutofit/>
+            <a:normAutofit fontScale="85000" lnSpcReduction="20000"/>
           </a:bodyPr>
           <a:lstStyle/>
           <a:p>
@@ -14837,8 +15703,8 @@
           </p:nvPr>
         </p:nvGraphicFramePr>
         <p:xfrm>
-          <a:off x="838200" y="1825625"/>
-          <a:ext cx="10515600" cy="4351338"/>
+          <a:off x="1371600" y="2286000"/>
+          <a:ext cx="9601200" cy="3581400"/>
         </p:xfrm>
         <a:graphic>
           <a:graphicData uri="http://schemas.openxmlformats.org/drawingml/2006/diagram">
@@ -14883,7 +15749,7 @@
             <a:spLocks noGrp="1"/>
           </p:cNvSpPr>
           <p:nvPr>
-            <p:ph type="ctrTitle"/>
+            <p:ph type="title"/>
           </p:nvPr>
         </p:nvSpPr>
         <p:spPr/>
@@ -14893,15 +15759,147 @@
           <a:p>
             <a:r>
               <a:rPr lang="en-US" dirty="0"/>
-              <a:t>Insights</a:t>
+              <a:t>Logistic Regression Model</a:t>
             </a:r>
           </a:p>
         </p:txBody>
       </p:sp>
+      <p:sp>
+        <p:nvSpPr>
+          <p:cNvPr id="3" name="Content Placeholder 2"/>
+          <p:cNvSpPr>
+            <a:spLocks noGrp="1"/>
+          </p:cNvSpPr>
+          <p:nvPr>
+            <p:ph idx="1"/>
+          </p:nvPr>
+        </p:nvSpPr>
+        <p:spPr/>
+        <p:txBody>
+          <a:bodyPr/>
+          <a:lstStyle/>
+          <a:p>
+            <a:r>
+              <a:rPr lang="en-US" dirty="0"/>
+              <a:t>Used the following independent categorical variables as input</a:t>
+            </a:r>
+          </a:p>
+          <a:p>
+            <a:pPr lvl="1"/>
+            <a:r>
+              <a:rPr lang="en-US" sz="2000" dirty="0"/>
+              <a:t>Gender, Married, Education, </a:t>
+            </a:r>
+            <a:r>
+              <a:rPr lang="en-US" sz="2000" dirty="0" err="1"/>
+              <a:t>Self_Employed</a:t>
+            </a:r>
+            <a:r>
+              <a:rPr lang="en-US" sz="2000" dirty="0"/>
+              <a:t>, </a:t>
+            </a:r>
+            <a:r>
+              <a:rPr lang="en-US" sz="2000" dirty="0" err="1"/>
+              <a:t>Credit_History</a:t>
+            </a:r>
+            <a:r>
+              <a:rPr lang="en-US" sz="2000" dirty="0"/>
+              <a:t>, </a:t>
+            </a:r>
+          </a:p>
+          <a:p>
+            <a:pPr marL="530352" lvl="1" indent="0">
+              <a:buNone/>
+            </a:pPr>
+            <a:r>
+              <a:rPr lang="en-US" sz="2000" dirty="0"/>
+              <a:t>      and </a:t>
+            </a:r>
+            <a:r>
+              <a:rPr lang="en-US" sz="2000" dirty="0" err="1"/>
+              <a:t>Property_Area</a:t>
+            </a:r>
+            <a:endParaRPr lang="en-US" sz="2000" dirty="0"/>
+          </a:p>
+          <a:p>
+            <a:pPr lvl="1"/>
+            <a:r>
+              <a:rPr lang="en-US" sz="2000" dirty="0"/>
+              <a:t>Converted them to numerical variable via dummy coding</a:t>
+            </a:r>
+          </a:p>
+          <a:p>
+            <a:pPr lvl="1"/>
+            <a:r>
+              <a:rPr lang="en-US" sz="2000" dirty="0"/>
+              <a:t>Created Train and Test data set </a:t>
+            </a:r>
+          </a:p>
+          <a:p>
+            <a:pPr lvl="1"/>
+            <a:r>
+              <a:rPr lang="en-US" sz="2000" dirty="0" err="1"/>
+              <a:t>Loan_Status</a:t>
+            </a:r>
+            <a:r>
+              <a:rPr lang="en-US" sz="2000" dirty="0"/>
+              <a:t> is dependent variable</a:t>
+            </a:r>
+          </a:p>
+          <a:p>
+            <a:pPr lvl="1"/>
+            <a:r>
+              <a:rPr lang="en-US" sz="2000" dirty="0"/>
+              <a:t>Built Logistic Regression model and the</a:t>
+            </a:r>
+          </a:p>
+          <a:p>
+            <a:pPr marL="530352" lvl="1" indent="0">
+              <a:buNone/>
+            </a:pPr>
+            <a:r>
+              <a:rPr lang="en-US" sz="2000" dirty="0"/>
+              <a:t> values of co-</a:t>
+            </a:r>
+            <a:r>
+              <a:rPr lang="en-US" sz="2000" dirty="0" err="1"/>
+              <a:t>efficients</a:t>
+            </a:r>
+            <a:r>
+              <a:rPr lang="en-US" sz="2000" dirty="0"/>
+              <a:t> is mentioned </a:t>
+            </a:r>
+          </a:p>
+        </p:txBody>
+      </p:sp>
+      <p:pic>
+        <p:nvPicPr>
+          <p:cNvPr id="4" name="Picture 3"/>
+          <p:cNvPicPr>
+            <a:picLocks noChangeAspect="1"/>
+          </p:cNvPicPr>
+          <p:nvPr/>
+        </p:nvPicPr>
+        <p:blipFill>
+          <a:blip r:embed="rId2"/>
+          <a:stretch>
+            <a:fillRect/>
+          </a:stretch>
+        </p:blipFill>
+        <p:spPr>
+          <a:xfrm>
+            <a:off x="9205298" y="2535829"/>
+            <a:ext cx="2652405" cy="3789926"/>
+          </a:xfrm>
+          <a:prstGeom prst="rect">
+            <a:avLst/>
+          </a:prstGeom>
+        </p:spPr>
+      </p:pic>
     </p:spTree>
     <p:extLst>
       <p:ext uri="{BB962C8B-B14F-4D97-AF65-F5344CB8AC3E}">
-        <p14:creationId xmlns:p14="http://schemas.microsoft.com/office/powerpoint/2010/main" val="2789590495"/>
+        <p14:creationId xmlns:p14="http://schemas.microsoft.com/office/powerpoint/2010/main" val="2801899223"/>
       </p:ext>
     </p:extLst>
   </p:cSld>
@@ -14935,7 +15933,7 @@
             <a:spLocks noGrp="1"/>
           </p:cNvSpPr>
           <p:nvPr>
-            <p:ph type="title"/>
+            <p:ph type="ctrTitle"/>
           </p:nvPr>
         </p:nvSpPr>
         <p:spPr/>
@@ -14945,46 +15943,7 @@
           <a:p>
             <a:r>
               <a:rPr lang="en-US" dirty="0"/>
-              <a:t>Recommendations</a:t>
-            </a:r>
-          </a:p>
-        </p:txBody>
-      </p:sp>
-      <p:sp>
-        <p:nvSpPr>
-          <p:cNvPr id="3" name="Content Placeholder 2"/>
-          <p:cNvSpPr>
-            <a:spLocks noGrp="1"/>
-          </p:cNvSpPr>
-          <p:nvPr>
-            <p:ph idx="1"/>
-          </p:nvPr>
-        </p:nvSpPr>
-        <p:spPr/>
-        <p:txBody>
-          <a:bodyPr/>
-          <a:lstStyle/>
-          <a:p>
-            <a:r>
-              <a:rPr lang="en-US" dirty="0"/>
-              <a:t>Company can change their marketing strategies based on customer segmentation and increase their profitability and reduce </a:t>
-            </a:r>
-            <a:r>
-              <a:rPr lang="en-US"/>
-              <a:t>customer attrition</a:t>
-            </a:r>
-            <a:endParaRPr lang="en-US" dirty="0"/>
-          </a:p>
-          <a:p>
-            <a:r>
-              <a:rPr lang="en-US" dirty="0"/>
-              <a:t>Company need to check why there is large number of returns in the month of Oct’11 and Nov’11, which is causing revenue loss in the last quarter of 2011.</a:t>
-            </a:r>
-          </a:p>
-          <a:p>
-            <a:r>
-              <a:rPr lang="en-US" dirty="0"/>
-              <a:t>Company can focus more on top revenue generating and top selling products to increase revenue.</a:t>
+              <a:t>Insights</a:t>
             </a:r>
           </a:p>
         </p:txBody>
@@ -14992,7 +15951,7 @@
     </p:spTree>
     <p:extLst>
       <p:ext uri="{BB962C8B-B14F-4D97-AF65-F5344CB8AC3E}">
-        <p14:creationId xmlns:p14="http://schemas.microsoft.com/office/powerpoint/2010/main" val="1426771783"/>
+        <p14:creationId xmlns:p14="http://schemas.microsoft.com/office/powerpoint/2010/main" val="2789590495"/>
       </p:ext>
     </p:extLst>
   </p:cSld>
@@ -15029,10 +15988,119 @@
             <p:ph type="title"/>
           </p:nvPr>
         </p:nvSpPr>
+        <p:spPr/>
+        <p:txBody>
+          <a:bodyPr/>
+          <a:lstStyle/>
+          <a:p>
+            <a:r>
+              <a:rPr lang="en-US" dirty="0"/>
+              <a:t>Factors affecting Loan Approval Decision</a:t>
+            </a:r>
+          </a:p>
+        </p:txBody>
+      </p:sp>
+      <p:sp>
+        <p:nvSpPr>
+          <p:cNvPr id="3" name="Content Placeholder 2"/>
+          <p:cNvSpPr>
+            <a:spLocks noGrp="1"/>
+          </p:cNvSpPr>
+          <p:nvPr>
+            <p:ph idx="1"/>
+          </p:nvPr>
+        </p:nvSpPr>
+        <p:spPr/>
+        <p:txBody>
+          <a:bodyPr/>
+          <a:lstStyle/>
+          <a:p>
+            <a:pPr marL="0" indent="0">
+              <a:buNone/>
+            </a:pPr>
+            <a:r>
+              <a:rPr lang="en-US" dirty="0"/>
+              <a:t>Following properties of the customers have positive affect and higher chance on Loan Approval:</a:t>
+            </a:r>
+          </a:p>
+          <a:p>
+            <a:r>
+              <a:rPr lang="en-US" dirty="0"/>
+              <a:t>	</a:t>
+            </a:r>
+            <a:r>
+              <a:rPr lang="en-US" dirty="0" err="1"/>
+              <a:t>Credit_History</a:t>
+            </a:r>
+            <a:r>
+              <a:rPr lang="en-US" dirty="0"/>
+              <a:t> = Yes</a:t>
+            </a:r>
+          </a:p>
+          <a:p>
+            <a:r>
+              <a:rPr lang="en-US" dirty="0"/>
+              <a:t>  	Education = Graduate</a:t>
+            </a:r>
+          </a:p>
+          <a:p>
+            <a:r>
+              <a:rPr lang="en-US" dirty="0"/>
+              <a:t> 	Married    = Yes</a:t>
+            </a:r>
+          </a:p>
+          <a:p>
+            <a:r>
+              <a:rPr lang="en-US" dirty="0"/>
+              <a:t> 	Property = Semi-Urban</a:t>
+            </a:r>
+          </a:p>
+        </p:txBody>
+      </p:sp>
+    </p:spTree>
+    <p:extLst>
+      <p:ext uri="{BB962C8B-B14F-4D97-AF65-F5344CB8AC3E}">
+        <p14:creationId xmlns:p14="http://schemas.microsoft.com/office/powerpoint/2010/main" val="1426771783"/>
+      </p:ext>
+    </p:extLst>
+  </p:cSld>
+  <p:clrMapOvr>
+    <a:masterClrMapping/>
+  </p:clrMapOvr>
+</p:sld>
+</file>
+
+<file path=ppt/slides/slide23.xml><?xml version="1.0" encoding="utf-8"?>
+<p:sld xmlns:a="http://schemas.openxmlformats.org/drawingml/2006/main" xmlns:r="http://schemas.openxmlformats.org/officeDocument/2006/relationships" xmlns:p="http://schemas.openxmlformats.org/presentationml/2006/main">
+  <p:cSld>
+    <p:spTree>
+      <p:nvGrpSpPr>
+        <p:cNvPr id="1" name=""/>
+        <p:cNvGrpSpPr/>
+        <p:nvPr/>
+      </p:nvGrpSpPr>
+      <p:grpSpPr>
+        <a:xfrm>
+          <a:off x="0" y="0"/>
+          <a:ext cx="0" cy="0"/>
+          <a:chOff x="0" y="0"/>
+          <a:chExt cx="0" cy="0"/>
+        </a:xfrm>
+      </p:grpSpPr>
+      <p:sp>
+        <p:nvSpPr>
+          <p:cNvPr id="2" name="Title 1"/>
+          <p:cNvSpPr>
+            <a:spLocks noGrp="1"/>
+          </p:cNvSpPr>
+          <p:nvPr>
+            <p:ph type="title"/>
+          </p:nvPr>
+        </p:nvSpPr>
         <p:spPr>
           <a:xfrm>
             <a:off x="838200" y="365125"/>
-            <a:ext cx="10515600" cy="4369107"/>
+            <a:ext cx="10515600" cy="5883275"/>
           </a:xfrm>
         </p:spPr>
         <p:txBody>
@@ -15041,13 +16109,28 @@
           <a:p>
             <a:r>
               <a:rPr lang="en-US" dirty="0"/>
-              <a:t>	</a:t>
-            </a:r>
-            <a:r>
-              <a:rPr lang="en-US"/>
-              <a:t>			Thank You</a:t>
-            </a:r>
-            <a:endParaRPr lang="en-US" dirty="0"/>
+              <a:t>				</a:t>
+            </a:r>
+            <a:br>
+              <a:rPr lang="en-US" dirty="0"/>
+            </a:br>
+            <a:br>
+              <a:rPr lang="en-US" dirty="0"/>
+            </a:br>
+            <a:br>
+              <a:rPr lang="en-US" dirty="0"/>
+            </a:br>
+            <a:br>
+              <a:rPr lang="en-US" dirty="0"/>
+            </a:br>
+            <a:r>
+              <a:rPr lang="en-US" dirty="0"/>
+              <a:t>				</a:t>
+            </a:r>
+            <a:r>
+              <a:rPr lang="en-US" b="1" dirty="0"/>
+              <a:t>Thank You</a:t>
+            </a:r>
           </a:p>
         </p:txBody>
       </p:sp>
@@ -15119,8 +16202,8 @@
           </p:nvPr>
         </p:nvGraphicFramePr>
         <p:xfrm>
-          <a:off x="838200" y="1825625"/>
-          <a:ext cx="10515600" cy="4351338"/>
+          <a:off x="1371600" y="2286000"/>
+          <a:ext cx="9601200" cy="3581400"/>
         </p:xfrm>
         <a:graphic>
           <a:graphicData uri="http://schemas.openxmlformats.org/drawingml/2006/diagram">
@@ -15245,7 +16328,7 @@
         <p:spPr>
           <a:xfrm>
             <a:off x="838200" y="2087592"/>
-            <a:ext cx="10515600" cy="4089371"/>
+            <a:ext cx="10515600" cy="4424044"/>
           </a:xfrm>
         </p:spPr>
         <p:txBody>
@@ -15253,6 +16336,9 @@
             <a:normAutofit fontScale="85000" lnSpcReduction="20000"/>
           </a:bodyPr>
           <a:lstStyle/>
+          <a:p>
+            <a:endParaRPr lang="en-US" dirty="0"/>
+          </a:p>
           <a:p>
             <a:r>
               <a:rPr lang="en-US" dirty="0"/>
@@ -15519,10 +16605,15 @@
             <p:ph idx="1"/>
           </p:nvPr>
         </p:nvSpPr>
-        <p:spPr/>
+        <p:spPr>
+          <a:xfrm>
+            <a:off x="1154954" y="2603500"/>
+            <a:ext cx="8825659" cy="3838864"/>
+          </a:xfrm>
+        </p:spPr>
         <p:txBody>
           <a:bodyPr>
-            <a:normAutofit lnSpcReduction="10000"/>
+            <a:normAutofit fontScale="92500" lnSpcReduction="20000"/>
           </a:bodyPr>
           <a:lstStyle/>
           <a:p>
@@ -15573,6 +16664,12 @@
             <a:pPr marL="0" indent="0">
               <a:buNone/>
             </a:pPr>
+            <a:endParaRPr lang="en-US" dirty="0"/>
+          </a:p>
+          <a:p>
+            <a:endParaRPr lang="en-US" dirty="0"/>
+          </a:p>
+          <a:p>
             <a:endParaRPr lang="en-US" dirty="0"/>
           </a:p>
           <a:p>
@@ -15592,14 +16689,14 @@
           <p:nvPr>
             <p:extLst>
               <p:ext uri="{D42A27DB-BD31-4B8C-83A1-F6EECF244321}">
-                <p14:modId xmlns:p14="http://schemas.microsoft.com/office/powerpoint/2010/main" val="2835066503"/>
+                <p14:modId xmlns:p14="http://schemas.microsoft.com/office/powerpoint/2010/main" val="1012368288"/>
               </p:ext>
             </p:extLst>
           </p:nvPr>
         </p:nvGraphicFramePr>
         <p:xfrm>
-          <a:off x="1297858" y="2529291"/>
-          <a:ext cx="2330245" cy="2315495"/>
+          <a:off x="1297858" y="3072790"/>
+          <a:ext cx="2330245" cy="2178861"/>
         </p:xfrm>
         <a:graphic>
           <a:graphicData uri="http://schemas.openxmlformats.org/drawingml/2006/table">
@@ -15621,7 +16718,7 @@
                   </a:extLst>
                 </a:gridCol>
               </a:tblGrid>
-              <a:tr h="481439">
+              <a:tr h="0">
                 <a:tc>
                   <a:txBody>
                     <a:bodyPr/>
@@ -16685,13 +17782,8 @@
             </a:r>
             <a:r>
               <a:rPr lang="en-US" sz="2400" dirty="0"/>
-              <a:t> </a:t>
-            </a:r>
-            <a:r>
-              <a:rPr lang="en-US" sz="2400" dirty="0"/>
-              <a:t>The missing values in Gender is imputed with Male, as Percentage of Male is much higher than that of Female.</a:t>
-            </a:r>
-            <a:endParaRPr lang="en-US" sz="2400" dirty="0"/>
+              <a:t> The missing values in Gender is imputed with Male, as Percentage of Male is much higher than that of Female.</a:t>
+            </a:r>
           </a:p>
           <a:p>
             <a:pPr marL="0" indent="0">
@@ -18009,18 +19101,13 @@
           <a:lstStyle/>
           <a:p>
             <a:r>
-              <a:rPr lang="en-US" sz="2400" b="1" dirty="0"/>
+              <a:rPr lang="en-US" sz="2200" b="1" dirty="0"/>
               <a:t>Impute Dependents:</a:t>
             </a:r>
             <a:r>
-              <a:rPr lang="en-US" sz="2400" dirty="0"/>
-              <a:t> </a:t>
-            </a:r>
-            <a:r>
-              <a:rPr lang="en-US" sz="2400" dirty="0"/>
-              <a:t>The missing values in Dependents is imputed with 0, as Percentage of Dependents=0 is higher than that of other values.</a:t>
-            </a:r>
-            <a:endParaRPr lang="en-US" sz="2400" dirty="0"/>
+              <a:rPr lang="en-US" sz="2200" dirty="0"/>
+              <a:t> The missing values in Dependents is imputed with 0, as Percentage of Dependents=0 is higher than that of other values.</a:t>
+            </a:r>
           </a:p>
           <a:p>
             <a:pPr marL="0" indent="0">
@@ -18044,41 +19131,44 @@
             <a:endParaRPr lang="en-US" sz="2400" dirty="0"/>
           </a:p>
           <a:p>
-            <a:endParaRPr lang="en-US" sz="2400" b="1" dirty="0"/>
-          </a:p>
-          <a:p>
-            <a:r>
-              <a:rPr lang="en-US" sz="2400" b="1" dirty="0"/>
+            <a:r>
+              <a:rPr lang="en-US" b="1" dirty="0"/>
               <a:t>Impute Self-Employed:</a:t>
             </a:r>
             <a:r>
-              <a:rPr lang="en-US" sz="2400" dirty="0"/>
+              <a:rPr lang="en-US" dirty="0"/>
               <a:t> The missing values in </a:t>
             </a:r>
             <a:r>
-              <a:rPr lang="en-US" sz="2400" dirty="0" err="1"/>
+              <a:rPr lang="en-US" dirty="0" err="1"/>
               <a:t>Self_Employed</a:t>
             </a:r>
             <a:r>
-              <a:rPr lang="en-US" sz="2400" dirty="0"/>
+              <a:rPr lang="en-US" dirty="0"/>
               <a:t> is imputed with No, as Percentage of </a:t>
             </a:r>
             <a:r>
-              <a:rPr lang="en-US" sz="2400" dirty="0" err="1"/>
+              <a:rPr lang="en-US" dirty="0" err="1"/>
               <a:t>Self_Employed</a:t>
             </a:r>
             <a:r>
-              <a:rPr lang="en-US" sz="2400" dirty="0"/>
+              <a:rPr lang="en-US" dirty="0"/>
               <a:t>=No is higher than that of </a:t>
             </a:r>
             <a:r>
-              <a:rPr lang="en-US" sz="2400" dirty="0" err="1"/>
+              <a:rPr lang="en-US" dirty="0" err="1"/>
               <a:t>Self_Employed</a:t>
             </a:r>
             <a:r>
-              <a:rPr lang="en-US" sz="2400" dirty="0"/>
+              <a:rPr lang="en-US" dirty="0"/>
               <a:t>=Yes.</a:t>
             </a:r>
+          </a:p>
+          <a:p>
+            <a:pPr marL="0" indent="0">
+              <a:buNone/>
+            </a:pPr>
+            <a:endParaRPr lang="en-US" sz="2000" dirty="0"/>
           </a:p>
           <a:p>
             <a:pPr marL="0" indent="0">
@@ -18114,13 +19204,13 @@
           <p:nvPr>
             <p:extLst>
               <p:ext uri="{D42A27DB-BD31-4B8C-83A1-F6EECF244321}">
-                <p14:modId xmlns:p14="http://schemas.microsoft.com/office/powerpoint/2010/main" val="3414816132"/>
+                <p14:modId xmlns:p14="http://schemas.microsoft.com/office/powerpoint/2010/main" val="1333499148"/>
               </p:ext>
             </p:extLst>
           </p:nvPr>
         </p:nvGraphicFramePr>
         <p:xfrm>
-          <a:off x="838197" y="3052916"/>
+          <a:off x="4085302" y="2650026"/>
           <a:ext cx="3025879" cy="1322998"/>
         </p:xfrm>
         <a:graphic>
@@ -18218,7 +19308,7 @@
                     <a:p>
                       <a:pPr algn="l" fontAlgn="b"/>
                       <a:r>
-                        <a:rPr lang="en-US" sz="1400" b="1" i="0" u="none" strike="noStrike">
+                        <a:rPr lang="en-US" sz="1400" b="1" i="0" u="none" strike="noStrike" dirty="0">
                           <a:solidFill>
                             <a:srgbClr val="000000"/>
                           </a:solidFill>
@@ -19062,14 +20152,14 @@
           <p:nvPr>
             <p:extLst>
               <p:ext uri="{D42A27DB-BD31-4B8C-83A1-F6EECF244321}">
-                <p14:modId xmlns:p14="http://schemas.microsoft.com/office/powerpoint/2010/main" val="29005795"/>
+                <p14:modId xmlns:p14="http://schemas.microsoft.com/office/powerpoint/2010/main" val="2304170076"/>
               </p:ext>
             </p:extLst>
           </p:nvPr>
         </p:nvGraphicFramePr>
         <p:xfrm>
-          <a:off x="1043035" y="5603205"/>
-          <a:ext cx="3042267" cy="841839"/>
+          <a:off x="4085302" y="5320667"/>
+          <a:ext cx="3042267" cy="903226"/>
         </p:xfrm>
         <a:graphic>
           <a:graphicData uri="http://schemas.openxmlformats.org/drawingml/2006/table">
@@ -19098,7 +20188,7 @@
                   </a:extLst>
                 </a:gridCol>
               </a:tblGrid>
-              <a:tr h="280613">
+              <a:tr h="342000">
                 <a:tc>
                   <a:txBody>
                     <a:bodyPr/>
@@ -19106,7 +20196,7 @@
                     <a:p>
                       <a:pPr algn="l" fontAlgn="b"/>
                       <a:r>
-                        <a:rPr lang="en-US" sz="1400" b="1" i="0" u="none" strike="noStrike">
+                        <a:rPr lang="en-US" sz="1400" b="1" i="0" u="none" strike="noStrike" dirty="0" err="1">
                           <a:solidFill>
                             <a:srgbClr val="000000"/>
                           </a:solidFill>
@@ -19115,6 +20205,13 @@
                         </a:rPr>
                         <a:t>Self_Employed</a:t>
                       </a:r>
+                      <a:endParaRPr lang="en-US" sz="1400" b="1" i="0" u="none" strike="noStrike" dirty="0">
+                        <a:solidFill>
+                          <a:srgbClr val="000000"/>
+                        </a:solidFill>
+                        <a:effectLst/>
+                        <a:latin typeface="Calibri" panose="020F0502020204030204" pitchFamily="34" charset="0"/>
+                      </a:endParaRPr>
                     </a:p>
                   </a:txBody>
                   <a:tcPr marL="9525" marR="9525" marT="9525" marB="0" anchor="b">
@@ -19653,9 +20750,9 @@
 </file>
 
 <file path=ppt/theme/theme1.xml><?xml version="1.0" encoding="utf-8"?>
-<a:theme xmlns:a="http://schemas.openxmlformats.org/drawingml/2006/main" name="Office Theme">
+<a:theme xmlns:a="http://schemas.openxmlformats.org/drawingml/2006/main" name="Crop">
   <a:themeElements>
-    <a:clrScheme name="Office">
+    <a:clrScheme name="Crop">
       <a:dk1>
         <a:sysClr val="windowText" lastClr="000000"/>
       </a:dk1>
@@ -19663,100 +20760,48 @@
         <a:sysClr val="window" lastClr="FFFFFF"/>
       </a:lt1>
       <a:dk2>
-        <a:srgbClr val="44546A"/>
+        <a:srgbClr val="191B0E"/>
       </a:dk2>
       <a:lt2>
-        <a:srgbClr val="E7E6E6"/>
+        <a:srgbClr val="EFEDE3"/>
       </a:lt2>
       <a:accent1>
-        <a:srgbClr val="4472C4"/>
+        <a:srgbClr val="8C8D86"/>
       </a:accent1>
       <a:accent2>
-        <a:srgbClr val="ED7D31"/>
+        <a:srgbClr val="E6C069"/>
       </a:accent2>
       <a:accent3>
-        <a:srgbClr val="A5A5A5"/>
+        <a:srgbClr val="897B61"/>
       </a:accent3>
       <a:accent4>
-        <a:srgbClr val="FFC000"/>
+        <a:srgbClr val="8DAB8E"/>
       </a:accent4>
       <a:accent5>
-        <a:srgbClr val="5B9BD5"/>
+        <a:srgbClr val="77A2BB"/>
       </a:accent5>
       <a:accent6>
-        <a:srgbClr val="70AD47"/>
+        <a:srgbClr val="E28394"/>
       </a:accent6>
       <a:hlink>
-        <a:srgbClr val="0563C1"/>
+        <a:srgbClr val="77A2BB"/>
       </a:hlink>
       <a:folHlink>
-        <a:srgbClr val="954F72"/>
+        <a:srgbClr val="957A99"/>
       </a:folHlink>
     </a:clrScheme>
-    <a:fontScheme name="Office">
+    <a:fontScheme name="Crop">
       <a:majorFont>
-        <a:latin typeface="Calibri Light" panose="020F0302020204030204"/>
+        <a:latin typeface="Franklin Gothic Book" panose="020B0503020102020204"/>
         <a:ea typeface=""/>
         <a:cs typeface=""/>
-        <a:font script="Jpan" typeface="游ゴシック Light"/>
-        <a:font script="Hang" typeface="맑은 고딕"/>
-        <a:font script="Hans" typeface="等线 Light"/>
-        <a:font script="Hant" typeface="新細明體"/>
-        <a:font script="Arab" typeface="Times New Roman"/>
-        <a:font script="Hebr" typeface="Times New Roman"/>
-        <a:font script="Thai" typeface="Angsana New"/>
-        <a:font script="Ethi" typeface="Nyala"/>
-        <a:font script="Beng" typeface="Vrinda"/>
-        <a:font script="Gujr" typeface="Shruti"/>
-        <a:font script="Khmr" typeface="MoolBoran"/>
-        <a:font script="Knda" typeface="Tunga"/>
-        <a:font script="Guru" typeface="Raavi"/>
-        <a:font script="Cans" typeface="Euphemia"/>
-        <a:font script="Cher" typeface="Plantagenet Cherokee"/>
-        <a:font script="Yiii" typeface="Microsoft Yi Baiti"/>
-        <a:font script="Tibt" typeface="Microsoft Himalaya"/>
-        <a:font script="Thaa" typeface="MV Boli"/>
-        <a:font script="Deva" typeface="Mangal"/>
-        <a:font script="Telu" typeface="Gautami"/>
-        <a:font script="Taml" typeface="Latha"/>
-        <a:font script="Syrc" typeface="Estrangelo Edessa"/>
-        <a:font script="Orya" typeface="Kalinga"/>
-        <a:font script="Mlym" typeface="Kartika"/>
-        <a:font script="Laoo" typeface="DokChampa"/>
-        <a:font script="Sinh" typeface="Iskoola Pota"/>
-        <a:font script="Mong" typeface="Mongolian Baiti"/>
-        <a:font script="Viet" typeface="Times New Roman"/>
-        <a:font script="Uigh" typeface="Microsoft Uighur"/>
-        <a:font script="Geor" typeface="Sylfaen"/>
-        <a:font script="Armn" typeface="Arial"/>
-        <a:font script="Bugi" typeface="Leelawadee UI"/>
-        <a:font script="Bopo" typeface="Microsoft JhengHei"/>
-        <a:font script="Java" typeface="Javanese Text"/>
-        <a:font script="Lisu" typeface="Segoe UI"/>
-        <a:font script="Mymr" typeface="Myanmar Text"/>
-        <a:font script="Nkoo" typeface="Ebrima"/>
-        <a:font script="Olck" typeface="Nirmala UI"/>
-        <a:font script="Osma" typeface="Ebrima"/>
-        <a:font script="Phag" typeface="Phagspa"/>
-        <a:font script="Syrn" typeface="Estrangelo Edessa"/>
-        <a:font script="Syrj" typeface="Estrangelo Edessa"/>
-        <a:font script="Syre" typeface="Estrangelo Edessa"/>
-        <a:font script="Sora" typeface="Nirmala UI"/>
-        <a:font script="Tale" typeface="Microsoft Tai Le"/>
-        <a:font script="Talu" typeface="Microsoft New Tai Lue"/>
-        <a:font script="Tfng" typeface="Ebrima"/>
-      </a:majorFont>
-      <a:minorFont>
-        <a:latin typeface="Calibri" panose="020F0502020204030204"/>
-        <a:ea typeface=""/>
-        <a:cs typeface=""/>
-        <a:font script="Jpan" typeface="游ゴシック"/>
-        <a:font script="Hang" typeface="맑은 고딕"/>
-        <a:font script="Hans" typeface="等线"/>
-        <a:font script="Hant" typeface="新細明體"/>
-        <a:font script="Arab" typeface="Arial"/>
-        <a:font script="Hebr" typeface="Arial"/>
-        <a:font script="Thai" typeface="Cordia New"/>
+        <a:font script="Jpan" typeface="メイリオ"/>
+        <a:font script="Hang" typeface="돋움"/>
+        <a:font script="Hans" typeface="华文楷体"/>
+        <a:font script="Hant" typeface="微軟正黑體"/>
+        <a:font script="Arab" typeface="Tahoma"/>
+        <a:font script="Hebr" typeface="Aharoni"/>
+        <a:font script="Thai" typeface="LilyUPC"/>
         <a:font script="Ethi" typeface="Nyala"/>
         <a:font script="Beng" typeface="Vrinda"/>
         <a:font script="Gujr" typeface="Shruti"/>
@@ -19777,29 +20822,47 @@
         <a:font script="Laoo" typeface="DokChampa"/>
         <a:font script="Sinh" typeface="Iskoola Pota"/>
         <a:font script="Mong" typeface="Mongolian Baiti"/>
-        <a:font script="Viet" typeface="Arial"/>
+        <a:font script="Viet" typeface="Tahoma"/>
         <a:font script="Uigh" typeface="Microsoft Uighur"/>
         <a:font script="Geor" typeface="Sylfaen"/>
-        <a:font script="Armn" typeface="Arial"/>
-        <a:font script="Bugi" typeface="Leelawadee UI"/>
-        <a:font script="Bopo" typeface="Microsoft JhengHei"/>
-        <a:font script="Java" typeface="Javanese Text"/>
-        <a:font script="Lisu" typeface="Segoe UI"/>
-        <a:font script="Mymr" typeface="Myanmar Text"/>
-        <a:font script="Nkoo" typeface="Ebrima"/>
-        <a:font script="Olck" typeface="Nirmala UI"/>
-        <a:font script="Osma" typeface="Ebrima"/>
-        <a:font script="Phag" typeface="Phagspa"/>
-        <a:font script="Syrn" typeface="Estrangelo Edessa"/>
-        <a:font script="Syrj" typeface="Estrangelo Edessa"/>
-        <a:font script="Syre" typeface="Estrangelo Edessa"/>
-        <a:font script="Sora" typeface="Nirmala UI"/>
-        <a:font script="Tale" typeface="Microsoft Tai Le"/>
-        <a:font script="Talu" typeface="Microsoft New Tai Lue"/>
-        <a:font script="Tfng" typeface="Ebrima"/>
+      </a:majorFont>
+      <a:minorFont>
+        <a:latin typeface="Franklin Gothic Book" panose="020B0503020102020204"/>
+        <a:ea typeface=""/>
+        <a:cs typeface=""/>
+        <a:font script="Jpan" typeface="メイリオ"/>
+        <a:font script="Hang" typeface="돋움"/>
+        <a:font script="Hans" typeface="华文楷体"/>
+        <a:font script="Hant" typeface="微軟正黑體"/>
+        <a:font script="Arab" typeface="Tahoma"/>
+        <a:font script="Hebr" typeface="Aharoni"/>
+        <a:font script="Thai" typeface="LilyUPC"/>
+        <a:font script="Ethi" typeface="Nyala"/>
+        <a:font script="Beng" typeface="Vrinda"/>
+        <a:font script="Gujr" typeface="Shruti"/>
+        <a:font script="Khmr" typeface="DaunPenh"/>
+        <a:font script="Knda" typeface="Tunga"/>
+        <a:font script="Guru" typeface="Raavi"/>
+        <a:font script="Cans" typeface="Euphemia"/>
+        <a:font script="Cher" typeface="Plantagenet Cherokee"/>
+        <a:font script="Yiii" typeface="Microsoft Yi Baiti"/>
+        <a:font script="Tibt" typeface="Microsoft Himalaya"/>
+        <a:font script="Thaa" typeface="MV Boli"/>
+        <a:font script="Deva" typeface="Mangal"/>
+        <a:font script="Telu" typeface="Gautami"/>
+        <a:font script="Taml" typeface="Latha"/>
+        <a:font script="Syrc" typeface="Estrangelo Edessa"/>
+        <a:font script="Orya" typeface="Kalinga"/>
+        <a:font script="Mlym" typeface="Kartika"/>
+        <a:font script="Laoo" typeface="DokChampa"/>
+        <a:font script="Sinh" typeface="Iskoola Pota"/>
+        <a:font script="Mong" typeface="Mongolian Baiti"/>
+        <a:font script="Viet" typeface="Tahoma"/>
+        <a:font script="Uigh" typeface="Microsoft Uighur"/>
+        <a:font script="Geor" typeface="Sylfaen"/>
       </a:minorFont>
     </a:fontScheme>
-    <a:fmtScheme name="Office">
+    <a:fmtScheme name="Crop">
       <a:fillStyleLst>
         <a:solidFill>
           <a:schemeClr val="phClr"/>
@@ -19808,23 +20871,23 @@
           <a:gsLst>
             <a:gs pos="0">
               <a:schemeClr val="phClr">
+                <a:tint val="67000"/>
+                <a:satMod val="105000"/>
                 <a:lumMod val="110000"/>
-                <a:satMod val="105000"/>
-                <a:tint val="67000"/>
               </a:schemeClr>
             </a:gs>
             <a:gs pos="50000">
               <a:schemeClr val="phClr">
+                <a:tint val="73000"/>
+                <a:satMod val="103000"/>
                 <a:lumMod val="105000"/>
-                <a:satMod val="103000"/>
-                <a:tint val="73000"/>
               </a:schemeClr>
             </a:gs>
             <a:gs pos="100000">
               <a:schemeClr val="phClr">
+                <a:tint val="81000"/>
+                <a:satMod val="109000"/>
                 <a:lumMod val="105000"/>
-                <a:satMod val="109000"/>
-                <a:tint val="81000"/>
               </a:schemeClr>
             </a:gs>
           </a:gsLst>
@@ -19834,23 +20897,23 @@
           <a:gsLst>
             <a:gs pos="0">
               <a:schemeClr val="phClr">
+                <a:tint val="94000"/>
                 <a:satMod val="103000"/>
                 <a:lumMod val="102000"/>
-                <a:tint val="94000"/>
               </a:schemeClr>
             </a:gs>
             <a:gs pos="50000">
               <a:schemeClr val="phClr">
+                <a:shade val="100000"/>
                 <a:satMod val="110000"/>
                 <a:lumMod val="100000"/>
-                <a:shade val="100000"/>
               </a:schemeClr>
             </a:gs>
             <a:gs pos="100000">
               <a:schemeClr val="phClr">
+                <a:shade val="78000"/>
+                <a:satMod val="120000"/>
                 <a:lumMod val="99000"/>
-                <a:satMod val="120000"/>
-                <a:shade val="78000"/>
               </a:schemeClr>
             </a:gs>
           </a:gsLst>
@@ -19858,26 +20921,23 @@
         </a:gradFill>
       </a:fillStyleLst>
       <a:lnStyleLst>
-        <a:ln w="6350" cap="flat" cmpd="sng" algn="ctr">
+        <a:ln w="6350" cap="flat" cmpd="sng" algn="in">
           <a:solidFill>
             <a:schemeClr val="phClr"/>
           </a:solidFill>
           <a:prstDash val="solid"/>
-          <a:miter lim="800000"/>
         </a:ln>
-        <a:ln w="12700" cap="flat" cmpd="sng" algn="ctr">
+        <a:ln w="34925" cap="flat" cmpd="sng" algn="in">
           <a:solidFill>
             <a:schemeClr val="phClr"/>
           </a:solidFill>
           <a:prstDash val="solid"/>
-          <a:miter lim="800000"/>
         </a:ln>
-        <a:ln w="19050" cap="flat" cmpd="sng" algn="ctr">
+        <a:ln w="19050" cap="flat" cmpd="sng" algn="in">
           <a:solidFill>
             <a:schemeClr val="phClr"/>
           </a:solidFill>
           <a:prstDash val="solid"/>
-          <a:miter lim="800000"/>
         </a:ln>
       </a:lnStyleLst>
       <a:effectStyleLst>
@@ -19891,7 +20951,7 @@
           <a:effectLst>
             <a:outerShdw blurRad="57150" dist="19050" dir="5400000" algn="ctr" rotWithShape="0">
               <a:srgbClr val="000000">
-                <a:alpha val="63000"/>
+                <a:alpha val="35000"/>
               </a:srgbClr>
             </a:outerShdw>
           </a:effectLst>
@@ -19912,16 +20972,16 @@
             <a:gs pos="0">
               <a:schemeClr val="phClr">
                 <a:tint val="93000"/>
+                <a:shade val="98000"/>
                 <a:satMod val="150000"/>
-                <a:shade val="98000"/>
                 <a:lumMod val="102000"/>
               </a:schemeClr>
             </a:gs>
             <a:gs pos="50000">
               <a:schemeClr val="phClr">
                 <a:tint val="98000"/>
+                <a:shade val="90000"/>
                 <a:satMod val="130000"/>
-                <a:shade val="90000"/>
                 <a:lumMod val="103000"/>
               </a:schemeClr>
             </a:gs>
@@ -19941,7 +21001,7 @@
   <a:extraClrSchemeLst/>
   <a:extLst>
     <a:ext uri="{05A4C25C-085E-4340-85A3-A5531E510DB2}">
-      <thm15:themeFamily xmlns:thm15="http://schemas.microsoft.com/office/thememl/2012/main" name="Office Theme" id="{62F939B6-93AF-4DB8-9C6B-D6C7DFDC589F}" vid="{4A3C46E8-61CC-4603-A589-7422A47A8E4A}"/>
+      <thm15:themeFamily xmlns:thm15="http://schemas.microsoft.com/office/thememl/2012/main" name="Crop" id="{EC9488ED-E761-4D60-9AC4-764D1FE2C171}" vid="{CE19780C-D67D-4C13-9DE9-A52BC3BA51B4}"/>
     </a:ext>
   </a:extLst>
 </a:theme>
